--- a/Report1.pptx
+++ b/Report1.pptx
@@ -1607,7 +1607,7 @@
   <p:cSld>
     <p:spTree>
       <p:nvGrpSpPr>
-        <p:cNvPr id="242" name="Shape 242"/>
+        <p:cNvPr id="241" name="Shape 241"/>
         <p:cNvGrpSpPr/>
         <p:nvPr/>
       </p:nvGrpSpPr>
@@ -1621,7 +1621,7 @@
       </p:grpSpPr>
       <p:sp>
         <p:nvSpPr>
-          <p:cNvPr id="243" name="Google Shape;243;p11:notes"/>
+          <p:cNvPr id="242" name="Google Shape;242;p11:notes"/>
           <p:cNvSpPr/>
           <p:nvPr>
             <p:ph idx="2" type="sldImg"/>
@@ -1666,7 +1666,7 @@
       </p:sp>
       <p:sp>
         <p:nvSpPr>
-          <p:cNvPr id="244" name="Google Shape;244;p11:notes"/>
+          <p:cNvPr id="243" name="Google Shape;243;p11:notes"/>
           <p:cNvSpPr txBox="1"/>
           <p:nvPr>
             <p:ph idx="1" type="body"/>
@@ -1725,7 +1725,7 @@
   <p:cSld>
     <p:spTree>
       <p:nvGrpSpPr>
-        <p:cNvPr id="251" name="Shape 251"/>
+        <p:cNvPr id="250" name="Shape 250"/>
         <p:cNvGrpSpPr/>
         <p:nvPr/>
       </p:nvGrpSpPr>
@@ -1739,7 +1739,7 @@
       </p:grpSpPr>
       <p:sp>
         <p:nvSpPr>
-          <p:cNvPr id="252" name="Google Shape;252;p12:notes"/>
+          <p:cNvPr id="251" name="Google Shape;251;p12:notes"/>
           <p:cNvSpPr/>
           <p:nvPr>
             <p:ph idx="2" type="sldImg"/>
@@ -1784,7 +1784,7 @@
       </p:sp>
       <p:sp>
         <p:nvSpPr>
-          <p:cNvPr id="253" name="Google Shape;253;p12:notes"/>
+          <p:cNvPr id="252" name="Google Shape;252;p12:notes"/>
           <p:cNvSpPr txBox="1"/>
           <p:nvPr>
             <p:ph idx="1" type="body"/>
@@ -1843,7 +1843,7 @@
   <p:cSld>
     <p:spTree>
       <p:nvGrpSpPr>
-        <p:cNvPr id="260" name="Shape 260"/>
+        <p:cNvPr id="259" name="Shape 259"/>
         <p:cNvGrpSpPr/>
         <p:nvPr/>
       </p:nvGrpSpPr>
@@ -1857,7 +1857,7 @@
       </p:grpSpPr>
       <p:sp>
         <p:nvSpPr>
-          <p:cNvPr id="261" name="Google Shape;261;p13:notes"/>
+          <p:cNvPr id="260" name="Google Shape;260;p13:notes"/>
           <p:cNvSpPr/>
           <p:nvPr>
             <p:ph idx="2" type="sldImg"/>
@@ -1902,7 +1902,7 @@
       </p:sp>
       <p:sp>
         <p:nvSpPr>
-          <p:cNvPr id="262" name="Google Shape;262;p13:notes"/>
+          <p:cNvPr id="261" name="Google Shape;261;p13:notes"/>
           <p:cNvSpPr txBox="1"/>
           <p:nvPr>
             <p:ph idx="1" type="body"/>
@@ -1961,7 +1961,7 @@
   <p:cSld>
     <p:spTree>
       <p:nvGrpSpPr>
-        <p:cNvPr id="269" name="Shape 269"/>
+        <p:cNvPr id="268" name="Shape 268"/>
         <p:cNvGrpSpPr/>
         <p:nvPr/>
       </p:nvGrpSpPr>
@@ -1975,7 +1975,7 @@
       </p:grpSpPr>
       <p:sp>
         <p:nvSpPr>
-          <p:cNvPr id="270" name="Google Shape;270;p14:notes"/>
+          <p:cNvPr id="269" name="Google Shape;269;p14:notes"/>
           <p:cNvSpPr/>
           <p:nvPr>
             <p:ph idx="2" type="sldImg"/>
@@ -2020,7 +2020,7 @@
       </p:sp>
       <p:sp>
         <p:nvSpPr>
-          <p:cNvPr id="271" name="Google Shape;271;p14:notes"/>
+          <p:cNvPr id="270" name="Google Shape;270;p14:notes"/>
           <p:cNvSpPr txBox="1"/>
           <p:nvPr>
             <p:ph idx="1" type="body"/>
@@ -2079,7 +2079,7 @@
   <p:cSld>
     <p:spTree>
       <p:nvGrpSpPr>
-        <p:cNvPr id="278" name="Shape 278"/>
+        <p:cNvPr id="277" name="Shape 277"/>
         <p:cNvGrpSpPr/>
         <p:nvPr/>
       </p:nvGrpSpPr>
@@ -2093,7 +2093,7 @@
       </p:grpSpPr>
       <p:sp>
         <p:nvSpPr>
-          <p:cNvPr id="279" name="Google Shape;279;p15:notes"/>
+          <p:cNvPr id="278" name="Google Shape;278;p15:notes"/>
           <p:cNvSpPr/>
           <p:nvPr>
             <p:ph idx="2" type="sldImg"/>
@@ -2138,7 +2138,7 @@
       </p:sp>
       <p:sp>
         <p:nvSpPr>
-          <p:cNvPr id="280" name="Google Shape;280;p15:notes"/>
+          <p:cNvPr id="279" name="Google Shape;279;p15:notes"/>
           <p:cNvSpPr txBox="1"/>
           <p:nvPr>
             <p:ph idx="1" type="body"/>
@@ -2197,7 +2197,7 @@
   <p:cSld>
     <p:spTree>
       <p:nvGrpSpPr>
-        <p:cNvPr id="287" name="Shape 287"/>
+        <p:cNvPr id="286" name="Shape 286"/>
         <p:cNvGrpSpPr/>
         <p:nvPr/>
       </p:nvGrpSpPr>
@@ -2211,7 +2211,7 @@
       </p:grpSpPr>
       <p:sp>
         <p:nvSpPr>
-          <p:cNvPr id="288" name="Google Shape;288;p16:notes"/>
+          <p:cNvPr id="287" name="Google Shape;287;p16:notes"/>
           <p:cNvSpPr/>
           <p:nvPr>
             <p:ph idx="2" type="sldImg"/>
@@ -2256,7 +2256,7 @@
       </p:sp>
       <p:sp>
         <p:nvSpPr>
-          <p:cNvPr id="289" name="Google Shape;289;p16:notes"/>
+          <p:cNvPr id="288" name="Google Shape;288;p16:notes"/>
           <p:cNvSpPr txBox="1"/>
           <p:nvPr>
             <p:ph idx="1" type="body"/>
@@ -2315,7 +2315,7 @@
   <p:cSld>
     <p:spTree>
       <p:nvGrpSpPr>
-        <p:cNvPr id="297" name="Shape 297"/>
+        <p:cNvPr id="296" name="Shape 296"/>
         <p:cNvGrpSpPr/>
         <p:nvPr/>
       </p:nvGrpSpPr>
@@ -2329,7 +2329,7 @@
       </p:grpSpPr>
       <p:sp>
         <p:nvSpPr>
-          <p:cNvPr id="298" name="Google Shape;298;p17:notes"/>
+          <p:cNvPr id="297" name="Google Shape;297;p17:notes"/>
           <p:cNvSpPr/>
           <p:nvPr>
             <p:ph idx="2" type="sldImg"/>
@@ -2374,7 +2374,7 @@
       </p:sp>
       <p:sp>
         <p:nvSpPr>
-          <p:cNvPr id="299" name="Google Shape;299;p17:notes"/>
+          <p:cNvPr id="298" name="Google Shape;298;p17:notes"/>
           <p:cNvSpPr txBox="1"/>
           <p:nvPr>
             <p:ph idx="1" type="body"/>
@@ -2433,7 +2433,7 @@
   <p:cSld>
     <p:spTree>
       <p:nvGrpSpPr>
-        <p:cNvPr id="340" name="Shape 340"/>
+        <p:cNvPr id="339" name="Shape 339"/>
         <p:cNvGrpSpPr/>
         <p:nvPr/>
       </p:nvGrpSpPr>
@@ -2447,7 +2447,7 @@
       </p:grpSpPr>
       <p:sp>
         <p:nvSpPr>
-          <p:cNvPr id="341" name="Google Shape;341;p18:notes"/>
+          <p:cNvPr id="340" name="Google Shape;340;p18:notes"/>
           <p:cNvSpPr/>
           <p:nvPr>
             <p:ph idx="2" type="sldImg"/>
@@ -2492,7 +2492,7 @@
       </p:sp>
       <p:sp>
         <p:nvSpPr>
-          <p:cNvPr id="342" name="Google Shape;342;p18:notes"/>
+          <p:cNvPr id="341" name="Google Shape;341;p18:notes"/>
           <p:cNvSpPr txBox="1"/>
           <p:nvPr>
             <p:ph idx="1" type="body"/>
@@ -2551,7 +2551,7 @@
   <p:cSld>
     <p:spTree>
       <p:nvGrpSpPr>
-        <p:cNvPr id="351" name="Shape 351"/>
+        <p:cNvPr id="350" name="Shape 350"/>
         <p:cNvGrpSpPr/>
         <p:nvPr/>
       </p:nvGrpSpPr>
@@ -2565,7 +2565,7 @@
       </p:grpSpPr>
       <p:sp>
         <p:nvSpPr>
-          <p:cNvPr id="352" name="Google Shape;352;p19:notes"/>
+          <p:cNvPr id="351" name="Google Shape;351;p19:notes"/>
           <p:cNvSpPr/>
           <p:nvPr>
             <p:ph idx="2" type="sldImg"/>
@@ -2610,7 +2610,7 @@
       </p:sp>
       <p:sp>
         <p:nvSpPr>
-          <p:cNvPr id="353" name="Google Shape;353;p19:notes"/>
+          <p:cNvPr id="352" name="Google Shape;352;p19:notes"/>
           <p:cNvSpPr txBox="1"/>
           <p:nvPr>
             <p:ph idx="1" type="body"/>
@@ -2669,7 +2669,7 @@
   <p:cSld>
     <p:spTree>
       <p:nvGrpSpPr>
-        <p:cNvPr id="368" name="Shape 368"/>
+        <p:cNvPr id="367" name="Shape 367"/>
         <p:cNvGrpSpPr/>
         <p:nvPr/>
       </p:nvGrpSpPr>
@@ -2683,7 +2683,7 @@
       </p:grpSpPr>
       <p:sp>
         <p:nvSpPr>
-          <p:cNvPr id="369" name="Google Shape;369;p20:notes"/>
+          <p:cNvPr id="368" name="Google Shape;368;p20:notes"/>
           <p:cNvSpPr/>
           <p:nvPr>
             <p:ph idx="2" type="sldImg"/>
@@ -2728,7 +2728,7 @@
       </p:sp>
       <p:sp>
         <p:nvSpPr>
-          <p:cNvPr id="370" name="Google Shape;370;p20:notes"/>
+          <p:cNvPr id="369" name="Google Shape;369;p20:notes"/>
           <p:cNvSpPr txBox="1"/>
           <p:nvPr>
             <p:ph idx="1" type="body"/>
@@ -2886,7 +2886,7 @@
   <p:cSld>
     <p:spTree>
       <p:nvGrpSpPr>
-        <p:cNvPr id="406" name="Shape 406"/>
+        <p:cNvPr id="397" name="Shape 397"/>
         <p:cNvGrpSpPr/>
         <p:nvPr/>
       </p:nvGrpSpPr>
@@ -2900,7 +2900,7 @@
       </p:grpSpPr>
       <p:sp>
         <p:nvSpPr>
-          <p:cNvPr id="407" name="Google Shape;407;p21:notes"/>
+          <p:cNvPr id="398" name="Google Shape;398;p21:notes"/>
           <p:cNvSpPr/>
           <p:nvPr>
             <p:ph idx="2" type="sldImg"/>
@@ -2945,7 +2945,7 @@
       </p:sp>
       <p:sp>
         <p:nvSpPr>
-          <p:cNvPr id="408" name="Google Shape;408;p21:notes"/>
+          <p:cNvPr id="399" name="Google Shape;399;p21:notes"/>
           <p:cNvSpPr txBox="1"/>
           <p:nvPr>
             <p:ph idx="1" type="body"/>
@@ -3004,7 +3004,7 @@
   <p:cSld>
     <p:spTree>
       <p:nvGrpSpPr>
-        <p:cNvPr id="472" name="Shape 472"/>
+        <p:cNvPr id="463" name="Shape 463"/>
         <p:cNvGrpSpPr/>
         <p:nvPr/>
       </p:nvGrpSpPr>
@@ -3018,7 +3018,7 @@
       </p:grpSpPr>
       <p:sp>
         <p:nvSpPr>
-          <p:cNvPr id="473" name="Google Shape;473;p22:notes"/>
+          <p:cNvPr id="464" name="Google Shape;464;p22:notes"/>
           <p:cNvSpPr/>
           <p:nvPr>
             <p:ph idx="2" type="sldImg"/>
@@ -3063,7 +3063,7 @@
       </p:sp>
       <p:sp>
         <p:nvSpPr>
-          <p:cNvPr id="474" name="Google Shape;474;p22:notes"/>
+          <p:cNvPr id="465" name="Google Shape;465;p22:notes"/>
           <p:cNvSpPr txBox="1"/>
           <p:nvPr>
             <p:ph idx="1" type="body"/>
@@ -3122,7 +3122,7 @@
   <p:cSld>
     <p:spTree>
       <p:nvGrpSpPr>
-        <p:cNvPr id="498" name="Shape 498"/>
+        <p:cNvPr id="489" name="Shape 489"/>
         <p:cNvGrpSpPr/>
         <p:nvPr/>
       </p:nvGrpSpPr>
@@ -3136,7 +3136,7 @@
       </p:grpSpPr>
       <p:sp>
         <p:nvSpPr>
-          <p:cNvPr id="499" name="Google Shape;499;p23:notes"/>
+          <p:cNvPr id="490" name="Google Shape;490;p23:notes"/>
           <p:cNvSpPr/>
           <p:nvPr>
             <p:ph idx="2" type="sldImg"/>
@@ -3181,7 +3181,7 @@
       </p:sp>
       <p:sp>
         <p:nvSpPr>
-          <p:cNvPr id="500" name="Google Shape;500;p23:notes"/>
+          <p:cNvPr id="491" name="Google Shape;491;p23:notes"/>
           <p:cNvSpPr txBox="1"/>
           <p:nvPr>
             <p:ph idx="1" type="body"/>
@@ -21231,7 +21231,7 @@
   <p:cSld>
     <p:spTree>
       <p:nvGrpSpPr>
-        <p:cNvPr id="245" name="Shape 245"/>
+        <p:cNvPr id="244" name="Shape 244"/>
         <p:cNvGrpSpPr/>
         <p:nvPr/>
       </p:nvGrpSpPr>
@@ -21245,7 +21245,7 @@
       </p:grpSpPr>
       <p:sp>
         <p:nvSpPr>
-          <p:cNvPr id="246" name="Google Shape;246;p34"/>
+          <p:cNvPr id="245" name="Google Shape;245;p34"/>
           <p:cNvSpPr/>
           <p:nvPr/>
         </p:nvSpPr>
@@ -21301,7 +21301,7 @@
       </p:sp>
       <p:sp>
         <p:nvSpPr>
-          <p:cNvPr id="247" name="Google Shape;247;p34"/>
+          <p:cNvPr id="246" name="Google Shape;246;p34"/>
           <p:cNvSpPr/>
           <p:nvPr/>
         </p:nvSpPr>
@@ -21357,7 +21357,7 @@
       </p:sp>
       <p:pic>
         <p:nvPicPr>
-          <p:cNvPr descr="Picture 2, Picture, Picture" id="248" name="Google Shape;248;p34"/>
+          <p:cNvPr descr="Picture 2, Picture, Picture" id="247" name="Google Shape;247;p34"/>
           <p:cNvPicPr preferRelativeResize="0"/>
           <p:nvPr/>
         </p:nvPicPr>
@@ -21384,7 +21384,7 @@
       </p:pic>
       <p:graphicFrame>
         <p:nvGraphicFramePr>
-          <p:cNvPr id="249" name="Google Shape;249;p34"/>
+          <p:cNvPr id="248" name="Google Shape;248;p34"/>
           <p:cNvGraphicFramePr/>
           <p:nvPr/>
         </p:nvGraphicFramePr>
@@ -21397,7 +21397,7 @@
             <a:tbl>
               <a:tblPr bandRow="1" firstRow="1">
                 <a:noFill/>
-                <a:tableStyleId>{C503CEC6-2316-406F-96DF-D67F47F5BFB6}</a:tableStyleId>
+                <a:tableStyleId>{523CFE03-B3D0-4724-BB2D-27FC2B9138DC}</a:tableStyleId>
               </a:tblPr>
               <a:tblGrid>
                 <a:gridCol w="2644325"/>
@@ -21715,7 +21715,7 @@
       </p:graphicFrame>
       <p:sp>
         <p:nvSpPr>
-          <p:cNvPr id="250" name="Google Shape;250;p34"/>
+          <p:cNvPr id="249" name="Google Shape;249;p34"/>
           <p:cNvSpPr txBox="1"/>
           <p:nvPr/>
         </p:nvSpPr>
@@ -21787,7 +21787,7 @@
   <p:cSld>
     <p:spTree>
       <p:nvGrpSpPr>
-        <p:cNvPr id="254" name="Shape 254"/>
+        <p:cNvPr id="253" name="Shape 253"/>
         <p:cNvGrpSpPr/>
         <p:nvPr/>
       </p:nvGrpSpPr>
@@ -21801,7 +21801,7 @@
       </p:grpSpPr>
       <p:sp>
         <p:nvSpPr>
-          <p:cNvPr id="255" name="Google Shape;255;p35"/>
+          <p:cNvPr id="254" name="Google Shape;254;p35"/>
           <p:cNvSpPr/>
           <p:nvPr/>
         </p:nvSpPr>
@@ -21857,7 +21857,7 @@
       </p:sp>
       <p:sp>
         <p:nvSpPr>
-          <p:cNvPr id="256" name="Google Shape;256;p35"/>
+          <p:cNvPr id="255" name="Google Shape;255;p35"/>
           <p:cNvSpPr/>
           <p:nvPr/>
         </p:nvSpPr>
@@ -21913,7 +21913,7 @@
       </p:sp>
       <p:pic>
         <p:nvPicPr>
-          <p:cNvPr descr="Picture 2, Picture, Picture" id="257" name="Google Shape;257;p35"/>
+          <p:cNvPr descr="Picture 2, Picture, Picture" id="256" name="Google Shape;256;p35"/>
           <p:cNvPicPr preferRelativeResize="0"/>
           <p:nvPr/>
         </p:nvPicPr>
@@ -21940,7 +21940,7 @@
       </p:pic>
       <p:graphicFrame>
         <p:nvGraphicFramePr>
-          <p:cNvPr id="258" name="Google Shape;258;p35"/>
+          <p:cNvPr id="257" name="Google Shape;257;p35"/>
           <p:cNvGraphicFramePr/>
           <p:nvPr/>
         </p:nvGraphicFramePr>
@@ -21953,7 +21953,7 @@
             <a:tbl>
               <a:tblPr bandRow="1" firstRow="1">
                 <a:noFill/>
-                <a:tableStyleId>{C503CEC6-2316-406F-96DF-D67F47F5BFB6}</a:tableStyleId>
+                <a:tableStyleId>{523CFE03-B3D0-4724-BB2D-27FC2B9138DC}</a:tableStyleId>
               </a:tblPr>
               <a:tblGrid>
                 <a:gridCol w="3242325"/>
@@ -22271,7 +22271,7 @@
       </p:graphicFrame>
       <p:sp>
         <p:nvSpPr>
-          <p:cNvPr id="259" name="Google Shape;259;p35"/>
+          <p:cNvPr id="258" name="Google Shape;258;p35"/>
           <p:cNvSpPr txBox="1"/>
           <p:nvPr/>
         </p:nvSpPr>
@@ -22343,7 +22343,7 @@
   <p:cSld>
     <p:spTree>
       <p:nvGrpSpPr>
-        <p:cNvPr id="263" name="Shape 263"/>
+        <p:cNvPr id="262" name="Shape 262"/>
         <p:cNvGrpSpPr/>
         <p:nvPr/>
       </p:nvGrpSpPr>
@@ -22357,7 +22357,7 @@
       </p:grpSpPr>
       <p:sp>
         <p:nvSpPr>
-          <p:cNvPr id="264" name="Google Shape;264;p36"/>
+          <p:cNvPr id="263" name="Google Shape;263;p36"/>
           <p:cNvSpPr/>
           <p:nvPr/>
         </p:nvSpPr>
@@ -22413,7 +22413,7 @@
       </p:sp>
       <p:sp>
         <p:nvSpPr>
-          <p:cNvPr id="265" name="Google Shape;265;p36"/>
+          <p:cNvPr id="264" name="Google Shape;264;p36"/>
           <p:cNvSpPr/>
           <p:nvPr/>
         </p:nvSpPr>
@@ -22469,7 +22469,7 @@
       </p:sp>
       <p:pic>
         <p:nvPicPr>
-          <p:cNvPr descr="Picture 2, Picture, Picture" id="266" name="Google Shape;266;p36"/>
+          <p:cNvPr descr="Picture 2, Picture, Picture" id="265" name="Google Shape;265;p36"/>
           <p:cNvPicPr preferRelativeResize="0"/>
           <p:nvPr/>
         </p:nvPicPr>
@@ -22496,7 +22496,7 @@
       </p:pic>
       <p:graphicFrame>
         <p:nvGraphicFramePr>
-          <p:cNvPr id="267" name="Google Shape;267;p36"/>
+          <p:cNvPr id="266" name="Google Shape;266;p36"/>
           <p:cNvGraphicFramePr/>
           <p:nvPr/>
         </p:nvGraphicFramePr>
@@ -22509,7 +22509,7 @@
             <a:tbl>
               <a:tblPr bandRow="1" firstRow="1">
                 <a:noFill/>
-                <a:tableStyleId>{C503CEC6-2316-406F-96DF-D67F47F5BFB6}</a:tableStyleId>
+                <a:tableStyleId>{523CFE03-B3D0-4724-BB2D-27FC2B9138DC}</a:tableStyleId>
               </a:tblPr>
               <a:tblGrid>
                 <a:gridCol w="1969075"/>
@@ -23379,7 +23379,7 @@
       </p:graphicFrame>
       <p:sp>
         <p:nvSpPr>
-          <p:cNvPr id="268" name="Google Shape;268;p36"/>
+          <p:cNvPr id="267" name="Google Shape;267;p36"/>
           <p:cNvSpPr txBox="1"/>
           <p:nvPr/>
         </p:nvSpPr>
@@ -23451,7 +23451,7 @@
   <p:cSld>
     <p:spTree>
       <p:nvGrpSpPr>
-        <p:cNvPr id="272" name="Shape 272"/>
+        <p:cNvPr id="271" name="Shape 271"/>
         <p:cNvGrpSpPr/>
         <p:nvPr/>
       </p:nvGrpSpPr>
@@ -23465,7 +23465,7 @@
       </p:grpSpPr>
       <p:sp>
         <p:nvSpPr>
-          <p:cNvPr id="273" name="Google Shape;273;p37"/>
+          <p:cNvPr id="272" name="Google Shape;272;p37"/>
           <p:cNvSpPr/>
           <p:nvPr/>
         </p:nvSpPr>
@@ -23521,7 +23521,7 @@
       </p:sp>
       <p:sp>
         <p:nvSpPr>
-          <p:cNvPr id="274" name="Google Shape;274;p37"/>
+          <p:cNvPr id="273" name="Google Shape;273;p37"/>
           <p:cNvSpPr/>
           <p:nvPr/>
         </p:nvSpPr>
@@ -23577,7 +23577,7 @@
       </p:sp>
       <p:pic>
         <p:nvPicPr>
-          <p:cNvPr descr="Picture 2, Picture, Picture" id="275" name="Google Shape;275;p37"/>
+          <p:cNvPr descr="Picture 2, Picture, Picture" id="274" name="Google Shape;274;p37"/>
           <p:cNvPicPr preferRelativeResize="0"/>
           <p:nvPr/>
         </p:nvPicPr>
@@ -23604,7 +23604,7 @@
       </p:pic>
       <p:graphicFrame>
         <p:nvGraphicFramePr>
-          <p:cNvPr id="276" name="Google Shape;276;p37"/>
+          <p:cNvPr id="275" name="Google Shape;275;p37"/>
           <p:cNvGraphicFramePr/>
           <p:nvPr/>
         </p:nvGraphicFramePr>
@@ -23617,7 +23617,7 @@
             <a:tbl>
               <a:tblPr bandRow="1" firstRow="1">
                 <a:noFill/>
-                <a:tableStyleId>{C503CEC6-2316-406F-96DF-D67F47F5BFB6}</a:tableStyleId>
+                <a:tableStyleId>{523CFE03-B3D0-4724-BB2D-27FC2B9138DC}</a:tableStyleId>
               </a:tblPr>
               <a:tblGrid>
                 <a:gridCol w="1846900"/>
@@ -24487,7 +24487,7 @@
       </p:graphicFrame>
       <p:sp>
         <p:nvSpPr>
-          <p:cNvPr id="277" name="Google Shape;277;p37"/>
+          <p:cNvPr id="276" name="Google Shape;276;p37"/>
           <p:cNvSpPr txBox="1"/>
           <p:nvPr/>
         </p:nvSpPr>
@@ -24559,7 +24559,7 @@
   <p:cSld>
     <p:spTree>
       <p:nvGrpSpPr>
-        <p:cNvPr id="281" name="Shape 281"/>
+        <p:cNvPr id="280" name="Shape 280"/>
         <p:cNvGrpSpPr/>
         <p:nvPr/>
       </p:nvGrpSpPr>
@@ -24573,7 +24573,7 @@
       </p:grpSpPr>
       <p:sp>
         <p:nvSpPr>
-          <p:cNvPr id="282" name="Google Shape;282;p38"/>
+          <p:cNvPr id="281" name="Google Shape;281;p38"/>
           <p:cNvSpPr/>
           <p:nvPr/>
         </p:nvSpPr>
@@ -24629,7 +24629,7 @@
       </p:sp>
       <p:sp>
         <p:nvSpPr>
-          <p:cNvPr id="283" name="Google Shape;283;p38"/>
+          <p:cNvPr id="282" name="Google Shape;282;p38"/>
           <p:cNvSpPr/>
           <p:nvPr/>
         </p:nvSpPr>
@@ -24685,7 +24685,7 @@
       </p:sp>
       <p:pic>
         <p:nvPicPr>
-          <p:cNvPr descr="Picture 2, Picture, Picture" id="284" name="Google Shape;284;p38"/>
+          <p:cNvPr descr="Picture 2, Picture, Picture" id="283" name="Google Shape;283;p38"/>
           <p:cNvPicPr preferRelativeResize="0"/>
           <p:nvPr/>
         </p:nvPicPr>
@@ -24712,7 +24712,7 @@
       </p:pic>
       <p:sp>
         <p:nvSpPr>
-          <p:cNvPr id="285" name="Google Shape;285;p38"/>
+          <p:cNvPr id="284" name="Google Shape;284;p38"/>
           <p:cNvSpPr txBox="1"/>
           <p:nvPr/>
         </p:nvSpPr>
@@ -24773,7 +24773,7 @@
       </p:sp>
       <p:graphicFrame>
         <p:nvGraphicFramePr>
-          <p:cNvPr id="286" name="Google Shape;286;p38"/>
+          <p:cNvPr id="285" name="Google Shape;285;p38"/>
           <p:cNvGraphicFramePr/>
           <p:nvPr/>
         </p:nvGraphicFramePr>
@@ -24786,7 +24786,7 @@
             <a:tbl>
               <a:tblPr bandRow="1" firstRow="1">
                 <a:noFill/>
-                <a:tableStyleId>{C503CEC6-2316-406F-96DF-D67F47F5BFB6}</a:tableStyleId>
+                <a:tableStyleId>{523CFE03-B3D0-4724-BB2D-27FC2B9138DC}</a:tableStyleId>
               </a:tblPr>
               <a:tblGrid>
                 <a:gridCol w="2286000"/>
@@ -25827,7 +25827,7 @@
   <p:cSld>
     <p:spTree>
       <p:nvGrpSpPr>
-        <p:cNvPr id="290" name="Shape 290"/>
+        <p:cNvPr id="289" name="Shape 289"/>
         <p:cNvGrpSpPr/>
         <p:nvPr/>
       </p:nvGrpSpPr>
@@ -25841,7 +25841,7 @@
       </p:grpSpPr>
       <p:sp>
         <p:nvSpPr>
-          <p:cNvPr id="291" name="Google Shape;291;p39"/>
+          <p:cNvPr id="290" name="Google Shape;290;p39"/>
           <p:cNvSpPr/>
           <p:nvPr/>
         </p:nvSpPr>
@@ -25897,7 +25897,7 @@
       </p:sp>
       <p:sp>
         <p:nvSpPr>
-          <p:cNvPr id="292" name="Google Shape;292;p39"/>
+          <p:cNvPr id="291" name="Google Shape;291;p39"/>
           <p:cNvSpPr/>
           <p:nvPr/>
         </p:nvSpPr>
@@ -25953,7 +25953,7 @@
       </p:sp>
       <p:pic>
         <p:nvPicPr>
-          <p:cNvPr descr="Picture 2, Picture, Picture" id="293" name="Google Shape;293;p39"/>
+          <p:cNvPr descr="Picture 2, Picture, Picture" id="292" name="Google Shape;292;p39"/>
           <p:cNvPicPr preferRelativeResize="0"/>
           <p:nvPr/>
         </p:nvPicPr>
@@ -25980,7 +25980,7 @@
       </p:pic>
       <p:sp>
         <p:nvSpPr>
-          <p:cNvPr id="294" name="Google Shape;294;p39"/>
+          <p:cNvPr id="293" name="Google Shape;293;p39"/>
           <p:cNvSpPr txBox="1"/>
           <p:nvPr/>
         </p:nvSpPr>
@@ -26041,7 +26041,7 @@
       </p:sp>
       <p:graphicFrame>
         <p:nvGraphicFramePr>
-          <p:cNvPr id="295" name="Google Shape;295;p39"/>
+          <p:cNvPr id="294" name="Google Shape;294;p39"/>
           <p:cNvGraphicFramePr/>
           <p:nvPr/>
         </p:nvGraphicFramePr>
@@ -26054,7 +26054,7 @@
             <a:tbl>
               <a:tblPr bandRow="1" firstCol="1">
                 <a:noFill/>
-                <a:tableStyleId>{C503CEC6-2316-406F-96DF-D67F47F5BFB6}</a:tableStyleId>
+                <a:tableStyleId>{523CFE03-B3D0-4724-BB2D-27FC2B9138DC}</a:tableStyleId>
               </a:tblPr>
               <a:tblGrid>
                 <a:gridCol w="3560625"/>
@@ -26518,7 +26518,7 @@
       </p:graphicFrame>
       <p:graphicFrame>
         <p:nvGraphicFramePr>
-          <p:cNvPr id="296" name="Google Shape;296;p39"/>
+          <p:cNvPr id="295" name="Google Shape;295;p39"/>
           <p:cNvGraphicFramePr/>
           <p:nvPr/>
         </p:nvGraphicFramePr>
@@ -26531,7 +26531,7 @@
             <a:tbl>
               <a:tblPr bandRow="1" firstCol="1">
                 <a:noFill/>
-                <a:tableStyleId>{C503CEC6-2316-406F-96DF-D67F47F5BFB6}</a:tableStyleId>
+                <a:tableStyleId>{523CFE03-B3D0-4724-BB2D-27FC2B9138DC}</a:tableStyleId>
               </a:tblPr>
               <a:tblGrid>
                 <a:gridCol w="3258600"/>
@@ -27032,7 +27032,7 @@
   <p:cSld>
     <p:spTree>
       <p:nvGrpSpPr>
-        <p:cNvPr id="300" name="Shape 300"/>
+        <p:cNvPr id="299" name="Shape 299"/>
         <p:cNvGrpSpPr/>
         <p:nvPr/>
       </p:nvGrpSpPr>
@@ -27046,7 +27046,7 @@
       </p:grpSpPr>
       <p:sp>
         <p:nvSpPr>
-          <p:cNvPr id="301" name="Google Shape;301;p40"/>
+          <p:cNvPr id="300" name="Google Shape;300;p40"/>
           <p:cNvSpPr/>
           <p:nvPr/>
         </p:nvSpPr>
@@ -27102,7 +27102,7 @@
       </p:sp>
       <p:sp>
         <p:nvSpPr>
-          <p:cNvPr id="302" name="Google Shape;302;p40"/>
+          <p:cNvPr id="301" name="Google Shape;301;p40"/>
           <p:cNvSpPr/>
           <p:nvPr/>
         </p:nvSpPr>
@@ -27158,7 +27158,7 @@
       </p:sp>
       <p:pic>
         <p:nvPicPr>
-          <p:cNvPr descr="Picture 2, Picture, Picture" id="303" name="Google Shape;303;p40"/>
+          <p:cNvPr descr="Picture 2, Picture, Picture" id="302" name="Google Shape;302;p40"/>
           <p:cNvPicPr preferRelativeResize="0"/>
           <p:nvPr/>
         </p:nvPicPr>
@@ -27185,7 +27185,7 @@
       </p:pic>
       <p:sp>
         <p:nvSpPr>
-          <p:cNvPr id="304" name="Google Shape;304;p40"/>
+          <p:cNvPr id="303" name="Google Shape;303;p40"/>
           <p:cNvSpPr txBox="1"/>
           <p:nvPr/>
         </p:nvSpPr>
@@ -27246,7 +27246,7 @@
       </p:sp>
       <p:sp>
         <p:nvSpPr>
-          <p:cNvPr id="305" name="Google Shape;305;p40"/>
+          <p:cNvPr id="304" name="Google Shape;304;p40"/>
           <p:cNvSpPr/>
           <p:nvPr/>
         </p:nvSpPr>
@@ -27285,7 +27285,7 @@
       </p:sp>
       <p:grpSp>
         <p:nvGrpSpPr>
-          <p:cNvPr id="306" name="Google Shape;306;p40"/>
+          <p:cNvPr id="305" name="Google Shape;305;p40"/>
           <p:cNvGrpSpPr/>
           <p:nvPr/>
         </p:nvGrpSpPr>
@@ -27299,7 +27299,7 @@
         </p:grpSpPr>
         <p:sp>
           <p:nvSpPr>
-            <p:cNvPr id="307" name="Google Shape;307;p40"/>
+            <p:cNvPr id="306" name="Google Shape;306;p40"/>
             <p:cNvSpPr/>
             <p:nvPr/>
           </p:nvSpPr>
@@ -27340,7 +27340,7 @@
         </p:sp>
         <p:sp>
           <p:nvSpPr>
-            <p:cNvPr id="308" name="Google Shape;308;p40"/>
+            <p:cNvPr id="307" name="Google Shape;307;p40"/>
             <p:cNvSpPr txBox="1"/>
             <p:nvPr/>
           </p:nvSpPr>
@@ -27394,7 +27394,7 @@
       </p:grpSp>
       <p:grpSp>
         <p:nvGrpSpPr>
-          <p:cNvPr id="309" name="Google Shape;309;p40"/>
+          <p:cNvPr id="308" name="Google Shape;308;p40"/>
           <p:cNvGrpSpPr/>
           <p:nvPr/>
         </p:nvGrpSpPr>
@@ -27408,7 +27408,7 @@
         </p:grpSpPr>
         <p:sp>
           <p:nvSpPr>
-            <p:cNvPr id="310" name="Google Shape;310;p40"/>
+            <p:cNvPr id="309" name="Google Shape;309;p40"/>
             <p:cNvSpPr/>
             <p:nvPr/>
           </p:nvSpPr>
@@ -27449,7 +27449,7 @@
         </p:sp>
         <p:sp>
           <p:nvSpPr>
-            <p:cNvPr id="311" name="Google Shape;311;p40"/>
+            <p:cNvPr id="310" name="Google Shape;310;p40"/>
             <p:cNvSpPr txBox="1"/>
             <p:nvPr/>
           </p:nvSpPr>
@@ -27503,7 +27503,7 @@
       </p:grpSp>
       <p:sp>
         <p:nvSpPr>
-          <p:cNvPr id="312" name="Google Shape;312;p40"/>
+          <p:cNvPr id="311" name="Google Shape;311;p40"/>
           <p:cNvSpPr/>
           <p:nvPr/>
         </p:nvSpPr>
@@ -27542,7 +27542,7 @@
       </p:sp>
       <p:grpSp>
         <p:nvGrpSpPr>
-          <p:cNvPr id="313" name="Google Shape;313;p40"/>
+          <p:cNvPr id="312" name="Google Shape;312;p40"/>
           <p:cNvGrpSpPr/>
           <p:nvPr/>
         </p:nvGrpSpPr>
@@ -27556,7 +27556,7 @@
         </p:grpSpPr>
         <p:sp>
           <p:nvSpPr>
-            <p:cNvPr id="314" name="Google Shape;314;p40"/>
+            <p:cNvPr id="313" name="Google Shape;313;p40"/>
             <p:cNvSpPr/>
             <p:nvPr/>
           </p:nvSpPr>
@@ -27597,7 +27597,7 @@
         </p:sp>
         <p:sp>
           <p:nvSpPr>
-            <p:cNvPr id="315" name="Google Shape;315;p40"/>
+            <p:cNvPr id="314" name="Google Shape;314;p40"/>
             <p:cNvSpPr txBox="1"/>
             <p:nvPr/>
           </p:nvSpPr>
@@ -27651,7 +27651,7 @@
       </p:grpSp>
       <p:grpSp>
         <p:nvGrpSpPr>
-          <p:cNvPr id="316" name="Google Shape;316;p40"/>
+          <p:cNvPr id="315" name="Google Shape;315;p40"/>
           <p:cNvGrpSpPr/>
           <p:nvPr/>
         </p:nvGrpSpPr>
@@ -27665,7 +27665,7 @@
         </p:grpSpPr>
         <p:sp>
           <p:nvSpPr>
-            <p:cNvPr id="317" name="Google Shape;317;p40"/>
+            <p:cNvPr id="316" name="Google Shape;316;p40"/>
             <p:cNvSpPr/>
             <p:nvPr/>
           </p:nvSpPr>
@@ -27706,7 +27706,7 @@
         </p:sp>
         <p:sp>
           <p:nvSpPr>
-            <p:cNvPr id="318" name="Google Shape;318;p40"/>
+            <p:cNvPr id="317" name="Google Shape;317;p40"/>
             <p:cNvSpPr txBox="1"/>
             <p:nvPr/>
           </p:nvSpPr>
@@ -27760,7 +27760,7 @@
       </p:grpSp>
       <p:sp>
         <p:nvSpPr>
-          <p:cNvPr id="319" name="Google Shape;319;p40"/>
+          <p:cNvPr id="318" name="Google Shape;318;p40"/>
           <p:cNvSpPr/>
           <p:nvPr/>
         </p:nvSpPr>
@@ -27799,7 +27799,7 @@
       </p:sp>
       <p:grpSp>
         <p:nvGrpSpPr>
-          <p:cNvPr id="320" name="Google Shape;320;p40"/>
+          <p:cNvPr id="319" name="Google Shape;319;p40"/>
           <p:cNvGrpSpPr/>
           <p:nvPr/>
         </p:nvGrpSpPr>
@@ -27813,7 +27813,7 @@
         </p:grpSpPr>
         <p:sp>
           <p:nvSpPr>
-            <p:cNvPr id="321" name="Google Shape;321;p40"/>
+            <p:cNvPr id="320" name="Google Shape;320;p40"/>
             <p:cNvSpPr/>
             <p:nvPr/>
           </p:nvSpPr>
@@ -27854,7 +27854,7 @@
         </p:sp>
         <p:sp>
           <p:nvSpPr>
-            <p:cNvPr id="322" name="Google Shape;322;p40"/>
+            <p:cNvPr id="321" name="Google Shape;321;p40"/>
             <p:cNvSpPr txBox="1"/>
             <p:nvPr/>
           </p:nvSpPr>
@@ -27908,7 +27908,7 @@
       </p:grpSp>
       <p:grpSp>
         <p:nvGrpSpPr>
-          <p:cNvPr id="323" name="Google Shape;323;p40"/>
+          <p:cNvPr id="322" name="Google Shape;322;p40"/>
           <p:cNvGrpSpPr/>
           <p:nvPr/>
         </p:nvGrpSpPr>
@@ -27922,7 +27922,7 @@
         </p:grpSpPr>
         <p:sp>
           <p:nvSpPr>
-            <p:cNvPr id="324" name="Google Shape;324;p40"/>
+            <p:cNvPr id="323" name="Google Shape;323;p40"/>
             <p:cNvSpPr/>
             <p:nvPr/>
           </p:nvSpPr>
@@ -27963,7 +27963,7 @@
         </p:sp>
         <p:sp>
           <p:nvSpPr>
-            <p:cNvPr id="325" name="Google Shape;325;p40"/>
+            <p:cNvPr id="324" name="Google Shape;324;p40"/>
             <p:cNvSpPr txBox="1"/>
             <p:nvPr/>
           </p:nvSpPr>
@@ -28017,7 +28017,7 @@
       </p:grpSp>
       <p:sp>
         <p:nvSpPr>
-          <p:cNvPr id="326" name="Google Shape;326;p40"/>
+          <p:cNvPr id="325" name="Google Shape;325;p40"/>
           <p:cNvSpPr/>
           <p:nvPr/>
         </p:nvSpPr>
@@ -28056,7 +28056,7 @@
       </p:sp>
       <p:grpSp>
         <p:nvGrpSpPr>
-          <p:cNvPr id="327" name="Google Shape;327;p40"/>
+          <p:cNvPr id="326" name="Google Shape;326;p40"/>
           <p:cNvGrpSpPr/>
           <p:nvPr/>
         </p:nvGrpSpPr>
@@ -28070,7 +28070,7 @@
         </p:grpSpPr>
         <p:sp>
           <p:nvSpPr>
-            <p:cNvPr id="328" name="Google Shape;328;p40"/>
+            <p:cNvPr id="327" name="Google Shape;327;p40"/>
             <p:cNvSpPr/>
             <p:nvPr/>
           </p:nvSpPr>
@@ -28111,7 +28111,7 @@
         </p:sp>
         <p:sp>
           <p:nvSpPr>
-            <p:cNvPr id="329" name="Google Shape;329;p40"/>
+            <p:cNvPr id="328" name="Google Shape;328;p40"/>
             <p:cNvSpPr txBox="1"/>
             <p:nvPr/>
           </p:nvSpPr>
@@ -28165,7 +28165,7 @@
       </p:grpSp>
       <p:grpSp>
         <p:nvGrpSpPr>
-          <p:cNvPr id="330" name="Google Shape;330;p40"/>
+          <p:cNvPr id="329" name="Google Shape;329;p40"/>
           <p:cNvGrpSpPr/>
           <p:nvPr/>
         </p:nvGrpSpPr>
@@ -28179,7 +28179,7 @@
         </p:grpSpPr>
         <p:sp>
           <p:nvSpPr>
-            <p:cNvPr id="331" name="Google Shape;331;p40"/>
+            <p:cNvPr id="330" name="Google Shape;330;p40"/>
             <p:cNvSpPr/>
             <p:nvPr/>
           </p:nvSpPr>
@@ -28220,7 +28220,7 @@
         </p:sp>
         <p:sp>
           <p:nvSpPr>
-            <p:cNvPr id="332" name="Google Shape;332;p40"/>
+            <p:cNvPr id="331" name="Google Shape;331;p40"/>
             <p:cNvSpPr txBox="1"/>
             <p:nvPr/>
           </p:nvSpPr>
@@ -28274,7 +28274,7 @@
       </p:grpSp>
       <p:sp>
         <p:nvSpPr>
-          <p:cNvPr id="333" name="Google Shape;333;p40"/>
+          <p:cNvPr id="332" name="Google Shape;332;p40"/>
           <p:cNvSpPr/>
           <p:nvPr/>
         </p:nvSpPr>
@@ -28313,7 +28313,7 @@
       </p:sp>
       <p:grpSp>
         <p:nvGrpSpPr>
-          <p:cNvPr id="334" name="Google Shape;334;p40"/>
+          <p:cNvPr id="333" name="Google Shape;333;p40"/>
           <p:cNvGrpSpPr/>
           <p:nvPr/>
         </p:nvGrpSpPr>
@@ -28327,7 +28327,7 @@
         </p:grpSpPr>
         <p:sp>
           <p:nvSpPr>
-            <p:cNvPr id="335" name="Google Shape;335;p40"/>
+            <p:cNvPr id="334" name="Google Shape;334;p40"/>
             <p:cNvSpPr/>
             <p:nvPr/>
           </p:nvSpPr>
@@ -28368,7 +28368,7 @@
         </p:sp>
         <p:sp>
           <p:nvSpPr>
-            <p:cNvPr id="336" name="Google Shape;336;p40"/>
+            <p:cNvPr id="335" name="Google Shape;335;p40"/>
             <p:cNvSpPr txBox="1"/>
             <p:nvPr/>
           </p:nvSpPr>
@@ -28422,7 +28422,7 @@
       </p:grpSp>
       <p:grpSp>
         <p:nvGrpSpPr>
-          <p:cNvPr id="337" name="Google Shape;337;p40"/>
+          <p:cNvPr id="336" name="Google Shape;336;p40"/>
           <p:cNvGrpSpPr/>
           <p:nvPr/>
         </p:nvGrpSpPr>
@@ -28436,7 +28436,7 @@
         </p:grpSpPr>
         <p:sp>
           <p:nvSpPr>
-            <p:cNvPr id="338" name="Google Shape;338;p40"/>
+            <p:cNvPr id="337" name="Google Shape;337;p40"/>
             <p:cNvSpPr/>
             <p:nvPr/>
           </p:nvSpPr>
@@ -28477,7 +28477,7 @@
         </p:sp>
         <p:sp>
           <p:nvSpPr>
-            <p:cNvPr id="339" name="Google Shape;339;p40"/>
+            <p:cNvPr id="338" name="Google Shape;338;p40"/>
             <p:cNvSpPr txBox="1"/>
             <p:nvPr/>
           </p:nvSpPr>
@@ -28542,7 +28542,7 @@
   <p:cSld>
     <p:spTree>
       <p:nvGrpSpPr>
-        <p:cNvPr id="343" name="Shape 343"/>
+        <p:cNvPr id="342" name="Shape 342"/>
         <p:cNvGrpSpPr/>
         <p:nvPr/>
       </p:nvGrpSpPr>
@@ -28556,7 +28556,7 @@
       </p:grpSpPr>
       <p:sp>
         <p:nvSpPr>
-          <p:cNvPr id="344" name="Google Shape;344;p41"/>
+          <p:cNvPr id="343" name="Google Shape;343;p41"/>
           <p:cNvSpPr/>
           <p:nvPr/>
         </p:nvSpPr>
@@ -28612,7 +28612,7 @@
       </p:sp>
       <p:sp>
         <p:nvSpPr>
-          <p:cNvPr id="345" name="Google Shape;345;p41"/>
+          <p:cNvPr id="344" name="Google Shape;344;p41"/>
           <p:cNvSpPr/>
           <p:nvPr/>
         </p:nvSpPr>
@@ -28668,7 +28668,7 @@
       </p:sp>
       <p:pic>
         <p:nvPicPr>
-          <p:cNvPr descr="Picture 2, Picture, Picture" id="346" name="Google Shape;346;p41"/>
+          <p:cNvPr descr="Picture 2, Picture, Picture" id="345" name="Google Shape;345;p41"/>
           <p:cNvPicPr preferRelativeResize="0"/>
           <p:nvPr/>
         </p:nvPicPr>
@@ -28695,7 +28695,7 @@
       </p:pic>
       <p:grpSp>
         <p:nvGrpSpPr>
-          <p:cNvPr id="347" name="Google Shape;347;p41"/>
+          <p:cNvPr id="346" name="Google Shape;346;p41"/>
           <p:cNvGrpSpPr/>
           <p:nvPr/>
         </p:nvGrpSpPr>
@@ -28709,7 +28709,7 @@
         </p:grpSpPr>
         <p:sp>
           <p:nvSpPr>
-            <p:cNvPr id="348" name="Google Shape;348;p41"/>
+            <p:cNvPr id="347" name="Google Shape;347;p41"/>
             <p:cNvSpPr/>
             <p:nvPr/>
           </p:nvSpPr>
@@ -28750,7 +28750,7 @@
         </p:sp>
         <p:sp>
           <p:nvSpPr>
-            <p:cNvPr id="349" name="Google Shape;349;p41"/>
+            <p:cNvPr id="348" name="Google Shape;348;p41"/>
             <p:cNvSpPr txBox="1"/>
             <p:nvPr/>
           </p:nvSpPr>
@@ -28812,7 +28812,7 @@
       </p:grpSp>
       <p:graphicFrame>
         <p:nvGraphicFramePr>
-          <p:cNvPr id="350" name="Google Shape;350;p41"/>
+          <p:cNvPr id="349" name="Google Shape;349;p41"/>
           <p:cNvGraphicFramePr/>
           <p:nvPr/>
         </p:nvGraphicFramePr>
@@ -28825,7 +28825,7 @@
             <a:tbl>
               <a:tblPr bandRow="1" firstRow="1">
                 <a:noFill/>
-                <a:tableStyleId>{C503CEC6-2316-406F-96DF-D67F47F5BFB6}</a:tableStyleId>
+                <a:tableStyleId>{523CFE03-B3D0-4724-BB2D-27FC2B9138DC}</a:tableStyleId>
               </a:tblPr>
               <a:tblGrid>
                 <a:gridCol w="2743200"/>
@@ -29585,7 +29585,7 @@
   <p:cSld>
     <p:spTree>
       <p:nvGrpSpPr>
-        <p:cNvPr id="354" name="Shape 354"/>
+        <p:cNvPr id="353" name="Shape 353"/>
         <p:cNvGrpSpPr/>
         <p:nvPr/>
       </p:nvGrpSpPr>
@@ -29599,7 +29599,7 @@
       </p:grpSpPr>
       <p:sp>
         <p:nvSpPr>
-          <p:cNvPr id="355" name="Google Shape;355;p42"/>
+          <p:cNvPr id="354" name="Google Shape;354;p42"/>
           <p:cNvSpPr/>
           <p:nvPr/>
         </p:nvSpPr>
@@ -29655,7 +29655,7 @@
       </p:sp>
       <p:sp>
         <p:nvSpPr>
-          <p:cNvPr id="356" name="Google Shape;356;p42"/>
+          <p:cNvPr id="355" name="Google Shape;355;p42"/>
           <p:cNvSpPr/>
           <p:nvPr/>
         </p:nvSpPr>
@@ -29711,7 +29711,7 @@
       </p:sp>
       <p:pic>
         <p:nvPicPr>
-          <p:cNvPr descr="Picture 2, Picture, Picture" id="357" name="Google Shape;357;p42"/>
+          <p:cNvPr descr="Picture 2, Picture, Picture" id="356" name="Google Shape;356;p42"/>
           <p:cNvPicPr preferRelativeResize="0"/>
           <p:nvPr/>
         </p:nvPicPr>
@@ -29738,7 +29738,7 @@
       </p:pic>
       <p:sp>
         <p:nvSpPr>
-          <p:cNvPr id="358" name="Google Shape;358;p42"/>
+          <p:cNvPr id="357" name="Google Shape;357;p42"/>
           <p:cNvSpPr txBox="1"/>
           <p:nvPr/>
         </p:nvSpPr>
@@ -29799,7 +29799,7 @@
       </p:sp>
       <p:sp>
         <p:nvSpPr>
-          <p:cNvPr id="359" name="Google Shape;359;p42"/>
+          <p:cNvPr id="358" name="Google Shape;358;p42"/>
           <p:cNvSpPr/>
           <p:nvPr/>
         </p:nvSpPr>
@@ -29870,7 +29870,7 @@
       </p:sp>
       <p:grpSp>
         <p:nvGrpSpPr>
-          <p:cNvPr id="360" name="Google Shape;360;p42"/>
+          <p:cNvPr id="359" name="Google Shape;359;p42"/>
           <p:cNvGrpSpPr/>
           <p:nvPr/>
         </p:nvGrpSpPr>
@@ -29884,7 +29884,7 @@
         </p:grpSpPr>
         <p:sp>
           <p:nvSpPr>
-            <p:cNvPr id="361" name="Google Shape;361;p42"/>
+            <p:cNvPr id="360" name="Google Shape;360;p42"/>
             <p:cNvSpPr/>
             <p:nvPr/>
           </p:nvSpPr>
@@ -29925,7 +29925,7 @@
         </p:sp>
         <p:sp>
           <p:nvSpPr>
-            <p:cNvPr id="362" name="Google Shape;362;p42"/>
+            <p:cNvPr id="361" name="Google Shape;361;p42"/>
             <p:cNvSpPr txBox="1"/>
             <p:nvPr/>
           </p:nvSpPr>
@@ -29979,7 +29979,7 @@
       </p:grpSp>
       <p:sp>
         <p:nvSpPr>
-          <p:cNvPr id="363" name="Google Shape;363;p42"/>
+          <p:cNvPr id="362" name="Google Shape;362;p42"/>
           <p:cNvSpPr/>
           <p:nvPr/>
         </p:nvSpPr>
@@ -30058,7 +30058,7 @@
       </p:sp>
       <p:sp>
         <p:nvSpPr>
-          <p:cNvPr id="364" name="Google Shape;364;p42"/>
+          <p:cNvPr id="363" name="Google Shape;363;p42"/>
           <p:cNvSpPr txBox="1"/>
           <p:nvPr/>
         </p:nvSpPr>
@@ -30111,7 +30111,7 @@
       </p:sp>
       <p:sp>
         <p:nvSpPr>
-          <p:cNvPr id="365" name="Google Shape;365;p42"/>
+          <p:cNvPr id="364" name="Google Shape;364;p42"/>
           <p:cNvSpPr txBox="1"/>
           <p:nvPr/>
         </p:nvSpPr>
@@ -30169,7 +30169,7 @@
       </p:sp>
       <p:sp>
         <p:nvSpPr>
-          <p:cNvPr id="366" name="Google Shape;366;p42"/>
+          <p:cNvPr id="365" name="Google Shape;365;p42"/>
           <p:cNvSpPr txBox="1"/>
           <p:nvPr/>
         </p:nvSpPr>
@@ -30227,7 +30227,7 @@
       </p:sp>
       <p:sp>
         <p:nvSpPr>
-          <p:cNvPr id="367" name="Google Shape;367;p42"/>
+          <p:cNvPr id="366" name="Google Shape;366;p42"/>
           <p:cNvSpPr txBox="1"/>
           <p:nvPr/>
         </p:nvSpPr>
@@ -30296,7 +30296,7 @@
   <p:cSld>
     <p:spTree>
       <p:nvGrpSpPr>
-        <p:cNvPr id="371" name="Shape 371"/>
+        <p:cNvPr id="370" name="Shape 370"/>
         <p:cNvGrpSpPr/>
         <p:nvPr/>
       </p:nvGrpSpPr>
@@ -30310,7 +30310,7 @@
       </p:grpSpPr>
       <p:sp>
         <p:nvSpPr>
-          <p:cNvPr id="372" name="Google Shape;372;p43"/>
+          <p:cNvPr id="371" name="Google Shape;371;p43"/>
           <p:cNvSpPr/>
           <p:nvPr/>
         </p:nvSpPr>
@@ -30366,7 +30366,7 @@
       </p:sp>
       <p:sp>
         <p:nvSpPr>
-          <p:cNvPr id="373" name="Google Shape;373;p43"/>
+          <p:cNvPr id="372" name="Google Shape;372;p43"/>
           <p:cNvSpPr/>
           <p:nvPr/>
         </p:nvSpPr>
@@ -30422,7 +30422,7 @@
       </p:sp>
       <p:pic>
         <p:nvPicPr>
-          <p:cNvPr descr="Picture 2, Picture, Picture" id="374" name="Google Shape;374;p43"/>
+          <p:cNvPr descr="Picture 2, Picture, Picture" id="373" name="Google Shape;373;p43"/>
           <p:cNvPicPr preferRelativeResize="0"/>
           <p:nvPr/>
         </p:nvPicPr>
@@ -30449,7 +30449,7 @@
       </p:pic>
       <p:sp>
         <p:nvSpPr>
-          <p:cNvPr id="375" name="Google Shape;375;p43"/>
+          <p:cNvPr id="374" name="Google Shape;374;p43"/>
           <p:cNvSpPr txBox="1"/>
           <p:nvPr/>
         </p:nvSpPr>
@@ -30502,35 +30502,187 @@
       </p:sp>
       <p:grpSp>
         <p:nvGrpSpPr>
-          <p:cNvPr id="376" name="Google Shape;376;p43"/>
+          <p:cNvPr id="375" name="Google Shape;375;p43"/>
+          <p:cNvGrpSpPr/>
+          <p:nvPr/>
+        </p:nvGrpSpPr>
+        <p:grpSpPr>
+          <a:xfrm>
+            <a:off x="9520392" y="1725490"/>
+            <a:ext cx="7408004" cy="7532810"/>
+            <a:chOff x="0" y="-9525"/>
+            <a:chExt cx="1261805" cy="1283063"/>
+          </a:xfrm>
+        </p:grpSpPr>
+        <p:sp>
+          <p:nvSpPr>
+            <p:cNvPr id="376" name="Google Shape;376;p43"/>
+            <p:cNvSpPr/>
+            <p:nvPr/>
+          </p:nvSpPr>
+          <p:spPr>
+            <a:xfrm>
+              <a:off x="0" y="0"/>
+              <a:ext cx="1261805" cy="1273538"/>
+            </a:xfrm>
+            <a:custGeom>
+              <a:rect b="b" l="l" r="r" t="t"/>
+              <a:pathLst>
+                <a:path extrusionOk="0" h="1273538" w="1261805">
+                  <a:moveTo>
+                    <a:pt x="52254" y="0"/>
+                  </a:moveTo>
+                  <a:lnTo>
+                    <a:pt x="1209551" y="0"/>
+                  </a:lnTo>
+                  <a:cubicBezTo>
+                    <a:pt x="1238410" y="0"/>
+                    <a:pt x="1261805" y="23395"/>
+                    <a:pt x="1261805" y="52254"/>
+                  </a:cubicBezTo>
+                  <a:lnTo>
+                    <a:pt x="1261805" y="1221284"/>
+                  </a:lnTo>
+                  <a:cubicBezTo>
+                    <a:pt x="1261805" y="1250143"/>
+                    <a:pt x="1238410" y="1273538"/>
+                    <a:pt x="1209551" y="1273538"/>
+                  </a:cubicBezTo>
+                  <a:lnTo>
+                    <a:pt x="52254" y="1273538"/>
+                  </a:lnTo>
+                  <a:cubicBezTo>
+                    <a:pt x="23395" y="1273538"/>
+                    <a:pt x="0" y="1250143"/>
+                    <a:pt x="0" y="1221284"/>
+                  </a:cubicBezTo>
+                  <a:lnTo>
+                    <a:pt x="0" y="52254"/>
+                  </a:lnTo>
+                  <a:cubicBezTo>
+                    <a:pt x="0" y="23395"/>
+                    <a:pt x="23395" y="0"/>
+                    <a:pt x="52254" y="0"/>
+                  </a:cubicBezTo>
+                  <a:close/>
+                </a:path>
+              </a:pathLst>
+            </a:custGeom>
+            <a:solidFill>
+              <a:srgbClr val="FFFFFF">
+                <a:alpha val="35294"/>
+              </a:srgbClr>
+            </a:solidFill>
+            <a:ln>
+              <a:noFill/>
+            </a:ln>
+          </p:spPr>
+          <p:txBody>
+            <a:bodyPr anchorCtr="0" anchor="ctr" bIns="91425" lIns="91425" spcFirstLastPara="1" rIns="91425" wrap="square" tIns="91425">
+              <a:noAutofit/>
+            </a:bodyPr>
+            <a:lstStyle/>
+            <a:p>
+              <a:pPr indent="0" lvl="0" marL="0" rtl="0" algn="l">
+                <a:spcBef>
+                  <a:spcPts val="0"/>
+                </a:spcBef>
+                <a:spcAft>
+                  <a:spcPts val="0"/>
+                </a:spcAft>
+                <a:buNone/>
+              </a:pPr>
+              <a:r>
+                <a:t/>
+              </a:r>
+              <a:endParaRPr/>
+            </a:p>
+          </p:txBody>
+        </p:sp>
+        <p:sp>
+          <p:nvSpPr>
+            <p:cNvPr id="377" name="Google Shape;377;p43"/>
+            <p:cNvSpPr txBox="1"/>
+            <p:nvPr/>
+          </p:nvSpPr>
+          <p:spPr>
+            <a:xfrm>
+              <a:off x="0" y="-9525"/>
+              <a:ext cx="1261805" cy="1283063"/>
+            </a:xfrm>
+            <a:prstGeom prst="rect">
+              <a:avLst/>
+            </a:prstGeom>
+            <a:noFill/>
+            <a:ln>
+              <a:noFill/>
+            </a:ln>
+          </p:spPr>
+          <p:txBody>
+            <a:bodyPr anchorCtr="0" anchor="ctr" bIns="50800" lIns="50800" spcFirstLastPara="1" rIns="50800" wrap="square" tIns="50800">
+              <a:noAutofit/>
+            </a:bodyPr>
+            <a:lstStyle/>
+            <a:p>
+              <a:pPr indent="0" lvl="0" marL="0" marR="0" rtl="0" algn="ctr">
+                <a:lnSpc>
+                  <a:spcPct val="78833"/>
+                </a:lnSpc>
+                <a:spcBef>
+                  <a:spcPts val="0"/>
+                </a:spcBef>
+                <a:spcAft>
+                  <a:spcPts val="0"/>
+                </a:spcAft>
+                <a:buNone/>
+              </a:pPr>
+              <a:r>
+                <a:t/>
+              </a:r>
+              <a:endParaRPr sz="1800">
+                <a:solidFill>
+                  <a:srgbClr val="000000"/>
+                </a:solidFill>
+                <a:latin typeface="Arial"/>
+                <a:ea typeface="Arial"/>
+                <a:cs typeface="Arial"/>
+                <a:sym typeface="Arial"/>
+              </a:endParaRPr>
+            </a:p>
+          </p:txBody>
+        </p:sp>
+      </p:grpSp>
+      <p:grpSp>
+        <p:nvGrpSpPr>
+          <p:cNvPr id="378" name="Google Shape;378;p43"/>
           <p:cNvGrpSpPr/>
           <p:nvPr/>
         </p:nvGrpSpPr>
         <p:grpSpPr>
           <a:xfrm>
             <a:off x="2013623" y="2314164"/>
-            <a:ext cx="6400048" cy="7111871"/>
+            <a:ext cx="3913047" cy="6359594"/>
             <a:chOff x="0" y="-57150"/>
-            <a:chExt cx="8533397" cy="9482497"/>
+            <a:chExt cx="5217396" cy="8479458"/>
           </a:xfrm>
         </p:grpSpPr>
         <p:grpSp>
           <p:nvGrpSpPr>
-            <p:cNvPr id="377" name="Google Shape;377;p43"/>
+            <p:cNvPr id="379" name="Google Shape;379;p43"/>
             <p:cNvGrpSpPr/>
             <p:nvPr/>
           </p:nvGrpSpPr>
           <p:grpSpPr>
             <a:xfrm>
               <a:off x="0" y="7717738"/>
-              <a:ext cx="749403" cy="589074"/>
+              <a:ext cx="749412" cy="589036"/>
               <a:chOff x="0" y="0"/>
-              <a:chExt cx="1034021" cy="812800"/>
+              <a:chExt cx="1034100" cy="812800"/>
             </a:xfrm>
           </p:grpSpPr>
           <p:sp>
             <p:nvSpPr>
-              <p:cNvPr id="378" name="Google Shape;378;p43"/>
+              <p:cNvPr id="380" name="Google Shape;380;p43"/>
               <p:cNvSpPr/>
               <p:nvPr/>
             </p:nvSpPr>
@@ -30618,14 +30770,14 @@
           </p:sp>
           <p:sp>
             <p:nvSpPr>
-              <p:cNvPr id="379" name="Google Shape;379;p43"/>
+              <p:cNvPr id="381" name="Google Shape;381;p43"/>
               <p:cNvSpPr txBox="1"/>
               <p:nvPr/>
             </p:nvSpPr>
             <p:spPr>
               <a:xfrm>
                 <a:off x="0" y="0"/>
-                <a:ext cx="1034021" cy="812800"/>
+                <a:ext cx="1034100" cy="812700"/>
               </a:xfrm>
               <a:prstGeom prst="rect">
                 <a:avLst/>
@@ -30671,21 +30823,21 @@
         </p:grpSp>
         <p:grpSp>
           <p:nvGrpSpPr>
-            <p:cNvPr id="380" name="Google Shape;380;p43"/>
+            <p:cNvPr id="382" name="Google Shape;382;p43"/>
             <p:cNvGrpSpPr/>
             <p:nvPr/>
           </p:nvGrpSpPr>
           <p:grpSpPr>
             <a:xfrm>
               <a:off x="0" y="5763324"/>
-              <a:ext cx="749403" cy="589074"/>
+              <a:ext cx="749412" cy="589036"/>
               <a:chOff x="0" y="0"/>
-              <a:chExt cx="1034021" cy="812800"/>
+              <a:chExt cx="1034100" cy="812800"/>
             </a:xfrm>
           </p:grpSpPr>
           <p:sp>
             <p:nvSpPr>
-              <p:cNvPr id="381" name="Google Shape;381;p43"/>
+              <p:cNvPr id="383" name="Google Shape;383;p43"/>
               <p:cNvSpPr/>
               <p:nvPr/>
             </p:nvSpPr>
@@ -30773,14 +30925,14 @@
           </p:sp>
           <p:sp>
             <p:nvSpPr>
-              <p:cNvPr id="382" name="Google Shape;382;p43"/>
+              <p:cNvPr id="384" name="Google Shape;384;p43"/>
               <p:cNvSpPr txBox="1"/>
               <p:nvPr/>
             </p:nvSpPr>
             <p:spPr>
               <a:xfrm>
                 <a:off x="0" y="0"/>
-                <a:ext cx="1034021" cy="812800"/>
+                <a:ext cx="1034100" cy="812700"/>
               </a:xfrm>
               <a:prstGeom prst="rect">
                 <a:avLst/>
@@ -30826,21 +30978,21 @@
         </p:grpSp>
         <p:grpSp>
           <p:nvGrpSpPr>
-            <p:cNvPr id="383" name="Google Shape;383;p43"/>
+            <p:cNvPr id="385" name="Google Shape;385;p43"/>
             <p:cNvGrpSpPr/>
             <p:nvPr/>
           </p:nvGrpSpPr>
           <p:grpSpPr>
             <a:xfrm>
               <a:off x="0" y="3759840"/>
-              <a:ext cx="749403" cy="589074"/>
+              <a:ext cx="749412" cy="589036"/>
               <a:chOff x="0" y="0"/>
-              <a:chExt cx="1034021" cy="812800"/>
+              <a:chExt cx="1034100" cy="812800"/>
             </a:xfrm>
           </p:grpSpPr>
           <p:sp>
             <p:nvSpPr>
-              <p:cNvPr id="384" name="Google Shape;384;p43"/>
+              <p:cNvPr id="386" name="Google Shape;386;p43"/>
               <p:cNvSpPr/>
               <p:nvPr/>
             </p:nvSpPr>
@@ -30928,14 +31080,14 @@
           </p:sp>
           <p:sp>
             <p:nvSpPr>
-              <p:cNvPr id="385" name="Google Shape;385;p43"/>
+              <p:cNvPr id="387" name="Google Shape;387;p43"/>
               <p:cNvSpPr txBox="1"/>
               <p:nvPr/>
             </p:nvSpPr>
             <p:spPr>
               <a:xfrm>
                 <a:off x="0" y="0"/>
-                <a:ext cx="1034021" cy="812800"/>
+                <a:ext cx="1034100" cy="812700"/>
               </a:xfrm>
               <a:prstGeom prst="rect">
                 <a:avLst/>
@@ -30979,161 +31131,94 @@
             </p:txBody>
           </p:sp>
         </p:grpSp>
-        <p:grpSp>
-          <p:nvGrpSpPr>
-            <p:cNvPr id="386" name="Google Shape;386;p43"/>
-            <p:cNvGrpSpPr/>
+        <p:sp>
+          <p:nvSpPr>
+            <p:cNvPr id="388" name="Google Shape;388;p43"/>
+            <p:cNvSpPr/>
             <p:nvPr/>
-          </p:nvGrpSpPr>
-          <p:grpSpPr>
+          </p:nvSpPr>
+          <p:spPr>
             <a:xfrm>
               <a:off x="0" y="1854495"/>
-              <a:ext cx="749403" cy="589074"/>
-              <a:chOff x="0" y="0"/>
-              <a:chExt cx="1034021" cy="812800"/>
+              <a:ext cx="749665" cy="589280"/>
             </a:xfrm>
-          </p:grpSpPr>
-          <p:sp>
-            <p:nvSpPr>
-              <p:cNvPr id="387" name="Google Shape;387;p43"/>
-              <p:cNvSpPr/>
-              <p:nvPr/>
-            </p:nvSpPr>
-            <p:spPr>
-              <a:xfrm>
-                <a:off x="0" y="0"/>
-                <a:ext cx="1034021" cy="812800"/>
-              </a:xfrm>
-              <a:custGeom>
-                <a:rect b="b" l="l" r="r" t="t"/>
-                <a:pathLst>
-                  <a:path extrusionOk="0" h="812800" w="1034021">
-                    <a:moveTo>
-                      <a:pt x="127814" y="0"/>
-                    </a:moveTo>
-                    <a:lnTo>
-                      <a:pt x="906207" y="0"/>
-                    </a:lnTo>
-                    <a:cubicBezTo>
-                      <a:pt x="940106" y="0"/>
-                      <a:pt x="972616" y="13466"/>
-                      <a:pt x="996585" y="37436"/>
-                    </a:cubicBezTo>
-                    <a:cubicBezTo>
-                      <a:pt x="1020555" y="61406"/>
-                      <a:pt x="1034021" y="93916"/>
-                      <a:pt x="1034021" y="127814"/>
-                    </a:cubicBezTo>
-                    <a:lnTo>
-                      <a:pt x="1034021" y="684986"/>
-                    </a:lnTo>
-                    <a:cubicBezTo>
-                      <a:pt x="1034021" y="755576"/>
-                      <a:pt x="976797" y="812800"/>
-                      <a:pt x="906207" y="812800"/>
-                    </a:cubicBezTo>
-                    <a:lnTo>
-                      <a:pt x="127814" y="812800"/>
-                    </a:lnTo>
-                    <a:cubicBezTo>
-                      <a:pt x="57224" y="812800"/>
-                      <a:pt x="0" y="755576"/>
-                      <a:pt x="0" y="684986"/>
-                    </a:cubicBezTo>
-                    <a:lnTo>
-                      <a:pt x="0" y="127814"/>
-                    </a:lnTo>
-                    <a:cubicBezTo>
-                      <a:pt x="0" y="57224"/>
-                      <a:pt x="57224" y="0"/>
-                      <a:pt x="127814" y="0"/>
-                    </a:cubicBezTo>
-                    <a:close/>
-                  </a:path>
-                </a:pathLst>
-              </a:custGeom>
-              <a:solidFill>
-                <a:srgbClr val="FFCCBC"/>
-              </a:solidFill>
-              <a:ln>
-                <a:noFill/>
-              </a:ln>
-            </p:spPr>
-            <p:txBody>
-              <a:bodyPr anchorCtr="0" anchor="ctr" bIns="91425" lIns="91425" spcFirstLastPara="1" rIns="91425" wrap="square" tIns="91425">
-                <a:noAutofit/>
-              </a:bodyPr>
-              <a:lstStyle/>
-              <a:p>
-                <a:pPr indent="0" lvl="0" marL="0" rtl="0" algn="l">
-                  <a:spcBef>
-                    <a:spcPts val="0"/>
-                  </a:spcBef>
-                  <a:spcAft>
-                    <a:spcPts val="0"/>
-                  </a:spcAft>
-                  <a:buNone/>
-                </a:pPr>
-                <a:r>
-                  <a:t/>
-                </a:r>
-                <a:endParaRPr/>
-              </a:p>
-            </p:txBody>
-          </p:sp>
-          <p:sp>
-            <p:nvSpPr>
-              <p:cNvPr id="388" name="Google Shape;388;p43"/>
-              <p:cNvSpPr txBox="1"/>
-              <p:nvPr/>
-            </p:nvSpPr>
-            <p:spPr>
-              <a:xfrm>
-                <a:off x="0" y="0"/>
-                <a:ext cx="1034021" cy="812800"/>
-              </a:xfrm>
-              <a:prstGeom prst="rect">
-                <a:avLst/>
-              </a:prstGeom>
+            <a:custGeom>
+              <a:rect b="b" l="l" r="r" t="t"/>
+              <a:pathLst>
+                <a:path extrusionOk="0" h="812800" w="1034021">
+                  <a:moveTo>
+                    <a:pt x="127814" y="0"/>
+                  </a:moveTo>
+                  <a:lnTo>
+                    <a:pt x="906207" y="0"/>
+                  </a:lnTo>
+                  <a:cubicBezTo>
+                    <a:pt x="940106" y="0"/>
+                    <a:pt x="972616" y="13466"/>
+                    <a:pt x="996585" y="37436"/>
+                  </a:cubicBezTo>
+                  <a:cubicBezTo>
+                    <a:pt x="1020555" y="61406"/>
+                    <a:pt x="1034021" y="93916"/>
+                    <a:pt x="1034021" y="127814"/>
+                  </a:cubicBezTo>
+                  <a:lnTo>
+                    <a:pt x="1034021" y="684986"/>
+                  </a:lnTo>
+                  <a:cubicBezTo>
+                    <a:pt x="1034021" y="755576"/>
+                    <a:pt x="976797" y="812800"/>
+                    <a:pt x="906207" y="812800"/>
+                  </a:cubicBezTo>
+                  <a:lnTo>
+                    <a:pt x="127814" y="812800"/>
+                  </a:lnTo>
+                  <a:cubicBezTo>
+                    <a:pt x="57224" y="812800"/>
+                    <a:pt x="0" y="755576"/>
+                    <a:pt x="0" y="684986"/>
+                  </a:cubicBezTo>
+                  <a:lnTo>
+                    <a:pt x="0" y="127814"/>
+                  </a:lnTo>
+                  <a:cubicBezTo>
+                    <a:pt x="0" y="57224"/>
+                    <a:pt x="57224" y="0"/>
+                    <a:pt x="127814" y="0"/>
+                  </a:cubicBezTo>
+                  <a:close/>
+                </a:path>
+              </a:pathLst>
+            </a:custGeom>
+            <a:solidFill>
+              <a:srgbClr val="FFCCBC"/>
+            </a:solidFill>
+            <a:ln>
               <a:noFill/>
-              <a:ln>
-                <a:noFill/>
-              </a:ln>
-            </p:spPr>
-            <p:txBody>
-              <a:bodyPr anchorCtr="0" anchor="ctr" bIns="50800" lIns="50800" spcFirstLastPara="1" rIns="50800" wrap="square" tIns="50800">
-                <a:noAutofit/>
-              </a:bodyPr>
-              <a:lstStyle/>
-              <a:p>
-                <a:pPr indent="0" lvl="0" marL="0" marR="0" rtl="0" algn="ctr">
-                  <a:lnSpc>
-                    <a:spcPct val="59944"/>
-                  </a:lnSpc>
-                  <a:spcBef>
-                    <a:spcPts val="0"/>
-                  </a:spcBef>
-                  <a:spcAft>
-                    <a:spcPts val="0"/>
-                  </a:spcAft>
-                  <a:buNone/>
-                </a:pPr>
-                <a:r>
-                  <a:t/>
-                </a:r>
-                <a:endParaRPr sz="1800">
-                  <a:solidFill>
-                    <a:srgbClr val="000000"/>
-                  </a:solidFill>
-                  <a:latin typeface="Arial"/>
-                  <a:ea typeface="Arial"/>
-                  <a:cs typeface="Arial"/>
-                  <a:sym typeface="Arial"/>
-                </a:endParaRPr>
-              </a:p>
-            </p:txBody>
-          </p:sp>
-        </p:grpSp>
+            </a:ln>
+          </p:spPr>
+          <p:txBody>
+            <a:bodyPr anchorCtr="0" anchor="ctr" bIns="91425" lIns="91425" spcFirstLastPara="1" rIns="91425" wrap="square" tIns="91425">
+              <a:noAutofit/>
+            </a:bodyPr>
+            <a:lstStyle/>
+            <a:p>
+              <a:pPr indent="0" lvl="0" marL="0" rtl="0" algn="l">
+                <a:spcBef>
+                  <a:spcPts val="0"/>
+                </a:spcBef>
+                <a:spcAft>
+                  <a:spcPts val="0"/>
+                </a:spcAft>
+                <a:buNone/>
+              </a:pPr>
+              <a:r>
+                <a:t/>
+              </a:r>
+              <a:endParaRPr/>
+            </a:p>
+          </p:txBody>
+        </p:sp>
         <p:grpSp>
           <p:nvGrpSpPr>
             <p:cNvPr id="389" name="Google Shape;389;p43"/>
@@ -31143,9 +31228,9 @@
           <p:grpSpPr>
             <a:xfrm>
               <a:off x="0" y="38048"/>
-              <a:ext cx="749403" cy="589074"/>
+              <a:ext cx="749412" cy="589036"/>
               <a:chOff x="0" y="0"/>
-              <a:chExt cx="1034021" cy="812800"/>
+              <a:chExt cx="1034100" cy="812800"/>
             </a:xfrm>
           </p:grpSpPr>
           <p:sp>
@@ -31245,7 +31330,7 @@
             <p:spPr>
               <a:xfrm>
                 <a:off x="0" y="0"/>
-                <a:ext cx="1034021" cy="812800"/>
+                <a:ext cx="1034100" cy="812700"/>
               </a:xfrm>
               <a:prstGeom prst="rect">
                 <a:avLst/>
@@ -31298,7 +31383,7 @@
           <p:spPr>
             <a:xfrm>
               <a:off x="1345296" y="-57150"/>
-              <a:ext cx="2555525" cy="661755"/>
+              <a:ext cx="2555400" cy="661800"/>
             </a:xfrm>
             <a:prstGeom prst="rect">
               <a:avLst/>
@@ -31350,61 +31435,8 @@
           </p:nvSpPr>
           <p:spPr>
             <a:xfrm>
-              <a:off x="1345296" y="579498"/>
-              <a:ext cx="7188101" cy="1028192"/>
-            </a:xfrm>
-            <a:prstGeom prst="rect">
-              <a:avLst/>
-            </a:prstGeom>
-            <a:noFill/>
-            <a:ln>
-              <a:noFill/>
-            </a:ln>
-          </p:spPr>
-          <p:txBody>
-            <a:bodyPr anchorCtr="0" anchor="t" bIns="0" lIns="0" spcFirstLastPara="1" rIns="0" wrap="square" tIns="0">
-              <a:spAutoFit/>
-            </a:bodyPr>
-            <a:lstStyle/>
-            <a:p>
-              <a:pPr indent="0" lvl="0" marL="0" marR="0" rtl="0" algn="l">
-                <a:lnSpc>
-                  <a:spcPct val="140036"/>
-                </a:lnSpc>
-                <a:spcBef>
-                  <a:spcPts val="0"/>
-                </a:spcBef>
-                <a:spcAft>
-                  <a:spcPts val="0"/>
-                </a:spcAft>
-                <a:buNone/>
-              </a:pPr>
-              <a:r>
-                <a:rPr lang="en-US" sz="2168">
-                  <a:solidFill>
-                    <a:srgbClr val="003049"/>
-                  </a:solidFill>
-                  <a:latin typeface="IBM Plex Sans"/>
-                  <a:ea typeface="IBM Plex Sans"/>
-                  <a:cs typeface="IBM Plex Sans"/>
-                  <a:sym typeface="IBM Plex Sans"/>
-                </a:rPr>
-                <a:t>Presentations are communication tools that can be used as lectures, and more.</a:t>
-              </a:r>
-              <a:endParaRPr/>
-            </a:p>
-          </p:txBody>
-        </p:sp>
-        <p:sp>
-          <p:nvSpPr>
-            <p:cNvPr id="394" name="Google Shape;394;p43"/>
-            <p:cNvSpPr txBox="1"/>
-            <p:nvPr/>
-          </p:nvSpPr>
-          <p:spPr>
-            <a:xfrm>
               <a:off x="1345296" y="1897264"/>
-              <a:ext cx="2555525" cy="661754"/>
+              <a:ext cx="2555400" cy="661800"/>
             </a:xfrm>
             <a:prstGeom prst="rect">
               <a:avLst/>
@@ -31450,67 +31482,14 @@
         </p:sp>
         <p:sp>
           <p:nvSpPr>
-            <p:cNvPr id="395" name="Google Shape;395;p43"/>
-            <p:cNvSpPr txBox="1"/>
-            <p:nvPr/>
-          </p:nvSpPr>
-          <p:spPr>
-            <a:xfrm>
-              <a:off x="1345296" y="2533912"/>
-              <a:ext cx="7188101" cy="1028192"/>
-            </a:xfrm>
-            <a:prstGeom prst="rect">
-              <a:avLst/>
-            </a:prstGeom>
-            <a:noFill/>
-            <a:ln>
-              <a:noFill/>
-            </a:ln>
-          </p:spPr>
-          <p:txBody>
-            <a:bodyPr anchorCtr="0" anchor="t" bIns="0" lIns="0" spcFirstLastPara="1" rIns="0" wrap="square" tIns="0">
-              <a:spAutoFit/>
-            </a:bodyPr>
-            <a:lstStyle/>
-            <a:p>
-              <a:pPr indent="0" lvl="0" marL="0" marR="0" rtl="0" algn="l">
-                <a:lnSpc>
-                  <a:spcPct val="140036"/>
-                </a:lnSpc>
-                <a:spcBef>
-                  <a:spcPts val="0"/>
-                </a:spcBef>
-                <a:spcAft>
-                  <a:spcPts val="0"/>
-                </a:spcAft>
-                <a:buNone/>
-              </a:pPr>
-              <a:r>
-                <a:rPr lang="en-US" sz="2168">
-                  <a:solidFill>
-                    <a:srgbClr val="003049"/>
-                  </a:solidFill>
-                  <a:latin typeface="IBM Plex Sans"/>
-                  <a:ea typeface="IBM Plex Sans"/>
-                  <a:cs typeface="IBM Plex Sans"/>
-                  <a:sym typeface="IBM Plex Sans"/>
-                </a:rPr>
-                <a:t>Presentations are communication tools that can be used as lectures, and more.</a:t>
-              </a:r>
-              <a:endParaRPr/>
-            </a:p>
-          </p:txBody>
-        </p:sp>
-        <p:sp>
-          <p:nvSpPr>
-            <p:cNvPr id="396" name="Google Shape;396;p43"/>
+            <p:cNvPr id="394" name="Google Shape;394;p43"/>
             <p:cNvSpPr txBox="1"/>
             <p:nvPr/>
           </p:nvSpPr>
           <p:spPr>
             <a:xfrm>
               <a:off x="1345296" y="3851679"/>
-              <a:ext cx="2555525" cy="661754"/>
+              <a:ext cx="2555400" cy="661800"/>
             </a:xfrm>
             <a:prstGeom prst="rect">
               <a:avLst/>
@@ -31556,67 +31535,14 @@
         </p:sp>
         <p:sp>
           <p:nvSpPr>
-            <p:cNvPr id="397" name="Google Shape;397;p43"/>
-            <p:cNvSpPr txBox="1"/>
-            <p:nvPr/>
-          </p:nvSpPr>
-          <p:spPr>
-            <a:xfrm>
-              <a:off x="1345296" y="4488326"/>
-              <a:ext cx="7188101" cy="1028192"/>
-            </a:xfrm>
-            <a:prstGeom prst="rect">
-              <a:avLst/>
-            </a:prstGeom>
-            <a:noFill/>
-            <a:ln>
-              <a:noFill/>
-            </a:ln>
-          </p:spPr>
-          <p:txBody>
-            <a:bodyPr anchorCtr="0" anchor="t" bIns="0" lIns="0" spcFirstLastPara="1" rIns="0" wrap="square" tIns="0">
-              <a:spAutoFit/>
-            </a:bodyPr>
-            <a:lstStyle/>
-            <a:p>
-              <a:pPr indent="0" lvl="0" marL="0" marR="0" rtl="0" algn="l">
-                <a:lnSpc>
-                  <a:spcPct val="140036"/>
-                </a:lnSpc>
-                <a:spcBef>
-                  <a:spcPts val="0"/>
-                </a:spcBef>
-                <a:spcAft>
-                  <a:spcPts val="0"/>
-                </a:spcAft>
-                <a:buNone/>
-              </a:pPr>
-              <a:r>
-                <a:rPr lang="en-US" sz="2168">
-                  <a:solidFill>
-                    <a:srgbClr val="003049"/>
-                  </a:solidFill>
-                  <a:latin typeface="IBM Plex Sans"/>
-                  <a:ea typeface="IBM Plex Sans"/>
-                  <a:cs typeface="IBM Plex Sans"/>
-                  <a:sym typeface="IBM Plex Sans"/>
-                </a:rPr>
-                <a:t>Presentations are communication tools that can be used as lectures, and more.</a:t>
-              </a:r>
-              <a:endParaRPr/>
-            </a:p>
-          </p:txBody>
-        </p:sp>
-        <p:sp>
-          <p:nvSpPr>
-            <p:cNvPr id="398" name="Google Shape;398;p43"/>
+            <p:cNvPr id="395" name="Google Shape;395;p43"/>
             <p:cNvSpPr txBox="1"/>
             <p:nvPr/>
           </p:nvSpPr>
           <p:spPr>
             <a:xfrm>
               <a:off x="1345296" y="5806093"/>
-              <a:ext cx="3872141" cy="661755"/>
+              <a:ext cx="3872100" cy="661800"/>
             </a:xfrm>
             <a:prstGeom prst="rect">
               <a:avLst/>
@@ -31662,67 +31588,14 @@
         </p:sp>
         <p:sp>
           <p:nvSpPr>
-            <p:cNvPr id="399" name="Google Shape;399;p43"/>
-            <p:cNvSpPr txBox="1"/>
-            <p:nvPr/>
-          </p:nvSpPr>
-          <p:spPr>
-            <a:xfrm>
-              <a:off x="1345296" y="6442741"/>
-              <a:ext cx="7188101" cy="1028192"/>
-            </a:xfrm>
-            <a:prstGeom prst="rect">
-              <a:avLst/>
-            </a:prstGeom>
-            <a:noFill/>
-            <a:ln>
-              <a:noFill/>
-            </a:ln>
-          </p:spPr>
-          <p:txBody>
-            <a:bodyPr anchorCtr="0" anchor="t" bIns="0" lIns="0" spcFirstLastPara="1" rIns="0" wrap="square" tIns="0">
-              <a:spAutoFit/>
-            </a:bodyPr>
-            <a:lstStyle/>
-            <a:p>
-              <a:pPr indent="0" lvl="0" marL="0" marR="0" rtl="0" algn="l">
-                <a:lnSpc>
-                  <a:spcPct val="140036"/>
-                </a:lnSpc>
-                <a:spcBef>
-                  <a:spcPts val="0"/>
-                </a:spcBef>
-                <a:spcAft>
-                  <a:spcPts val="0"/>
-                </a:spcAft>
-                <a:buNone/>
-              </a:pPr>
-              <a:r>
-                <a:rPr lang="en-US" sz="2168">
-                  <a:solidFill>
-                    <a:srgbClr val="003049"/>
-                  </a:solidFill>
-                  <a:latin typeface="IBM Plex Sans"/>
-                  <a:ea typeface="IBM Plex Sans"/>
-                  <a:cs typeface="IBM Plex Sans"/>
-                  <a:sym typeface="IBM Plex Sans"/>
-                </a:rPr>
-                <a:t>Presentations are communication tools that can be used as lectures, and more.</a:t>
-              </a:r>
-              <a:endParaRPr/>
-            </a:p>
-          </p:txBody>
-        </p:sp>
-        <p:sp>
-          <p:nvSpPr>
-            <p:cNvPr id="400" name="Google Shape;400;p43"/>
+            <p:cNvPr id="396" name="Google Shape;396;p43"/>
             <p:cNvSpPr txBox="1"/>
             <p:nvPr/>
           </p:nvSpPr>
           <p:spPr>
             <a:xfrm>
               <a:off x="1345296" y="7760508"/>
-              <a:ext cx="2555525" cy="661755"/>
+              <a:ext cx="2555400" cy="661800"/>
             </a:xfrm>
             <a:prstGeom prst="rect">
               <a:avLst/>
@@ -31766,239 +31639,7 @@
             </a:p>
           </p:txBody>
         </p:sp>
-        <p:sp>
-          <p:nvSpPr>
-            <p:cNvPr id="401" name="Google Shape;401;p43"/>
-            <p:cNvSpPr txBox="1"/>
-            <p:nvPr/>
-          </p:nvSpPr>
-          <p:spPr>
-            <a:xfrm>
-              <a:off x="1345296" y="8397155"/>
-              <a:ext cx="7188101" cy="1028192"/>
-            </a:xfrm>
-            <a:prstGeom prst="rect">
-              <a:avLst/>
-            </a:prstGeom>
-            <a:noFill/>
-            <a:ln>
-              <a:noFill/>
-            </a:ln>
-          </p:spPr>
-          <p:txBody>
-            <a:bodyPr anchorCtr="0" anchor="t" bIns="0" lIns="0" spcFirstLastPara="1" rIns="0" wrap="square" tIns="0">
-              <a:spAutoFit/>
-            </a:bodyPr>
-            <a:lstStyle/>
-            <a:p>
-              <a:pPr indent="0" lvl="0" marL="0" marR="0" rtl="0" algn="l">
-                <a:lnSpc>
-                  <a:spcPct val="140036"/>
-                </a:lnSpc>
-                <a:spcBef>
-                  <a:spcPts val="0"/>
-                </a:spcBef>
-                <a:spcAft>
-                  <a:spcPts val="0"/>
-                </a:spcAft>
-                <a:buNone/>
-              </a:pPr>
-              <a:r>
-                <a:rPr lang="en-US" sz="2168">
-                  <a:solidFill>
-                    <a:srgbClr val="003049"/>
-                  </a:solidFill>
-                  <a:latin typeface="IBM Plex Sans"/>
-                  <a:ea typeface="IBM Plex Sans"/>
-                  <a:cs typeface="IBM Plex Sans"/>
-                  <a:sym typeface="IBM Plex Sans"/>
-                </a:rPr>
-                <a:t>Presentations are communication tools that can be used as lectures, and more.</a:t>
-              </a:r>
-              <a:endParaRPr/>
-            </a:p>
-          </p:txBody>
-        </p:sp>
       </p:grpSp>
-      <p:grpSp>
-        <p:nvGrpSpPr>
-          <p:cNvPr id="402" name="Google Shape;402;p43"/>
-          <p:cNvGrpSpPr/>
-          <p:nvPr/>
-        </p:nvGrpSpPr>
-        <p:grpSpPr>
-          <a:xfrm>
-            <a:off x="9520392" y="1725490"/>
-            <a:ext cx="7408004" cy="7532810"/>
-            <a:chOff x="0" y="-9525"/>
-            <a:chExt cx="1261805" cy="1283063"/>
-          </a:xfrm>
-        </p:grpSpPr>
-        <p:sp>
-          <p:nvSpPr>
-            <p:cNvPr id="403" name="Google Shape;403;p43"/>
-            <p:cNvSpPr/>
-            <p:nvPr/>
-          </p:nvSpPr>
-          <p:spPr>
-            <a:xfrm>
-              <a:off x="0" y="0"/>
-              <a:ext cx="1261805" cy="1273538"/>
-            </a:xfrm>
-            <a:custGeom>
-              <a:rect b="b" l="l" r="r" t="t"/>
-              <a:pathLst>
-                <a:path extrusionOk="0" h="1273538" w="1261805">
-                  <a:moveTo>
-                    <a:pt x="52254" y="0"/>
-                  </a:moveTo>
-                  <a:lnTo>
-                    <a:pt x="1209551" y="0"/>
-                  </a:lnTo>
-                  <a:cubicBezTo>
-                    <a:pt x="1238410" y="0"/>
-                    <a:pt x="1261805" y="23395"/>
-                    <a:pt x="1261805" y="52254"/>
-                  </a:cubicBezTo>
-                  <a:lnTo>
-                    <a:pt x="1261805" y="1221284"/>
-                  </a:lnTo>
-                  <a:cubicBezTo>
-                    <a:pt x="1261805" y="1250143"/>
-                    <a:pt x="1238410" y="1273538"/>
-                    <a:pt x="1209551" y="1273538"/>
-                  </a:cubicBezTo>
-                  <a:lnTo>
-                    <a:pt x="52254" y="1273538"/>
-                  </a:lnTo>
-                  <a:cubicBezTo>
-                    <a:pt x="23395" y="1273538"/>
-                    <a:pt x="0" y="1250143"/>
-                    <a:pt x="0" y="1221284"/>
-                  </a:cubicBezTo>
-                  <a:lnTo>
-                    <a:pt x="0" y="52254"/>
-                  </a:lnTo>
-                  <a:cubicBezTo>
-                    <a:pt x="0" y="23395"/>
-                    <a:pt x="23395" y="0"/>
-                    <a:pt x="52254" y="0"/>
-                  </a:cubicBezTo>
-                  <a:close/>
-                </a:path>
-              </a:pathLst>
-            </a:custGeom>
-            <a:solidFill>
-              <a:srgbClr val="FFFFFF">
-                <a:alpha val="35294"/>
-              </a:srgbClr>
-            </a:solidFill>
-            <a:ln>
-              <a:noFill/>
-            </a:ln>
-          </p:spPr>
-          <p:txBody>
-            <a:bodyPr anchorCtr="0" anchor="ctr" bIns="91425" lIns="91425" spcFirstLastPara="1" rIns="91425" wrap="square" tIns="91425">
-              <a:noAutofit/>
-            </a:bodyPr>
-            <a:lstStyle/>
-            <a:p>
-              <a:pPr indent="0" lvl="0" marL="0" rtl="0" algn="l">
-                <a:spcBef>
-                  <a:spcPts val="0"/>
-                </a:spcBef>
-                <a:spcAft>
-                  <a:spcPts val="0"/>
-                </a:spcAft>
-                <a:buNone/>
-              </a:pPr>
-              <a:r>
-                <a:t/>
-              </a:r>
-              <a:endParaRPr/>
-            </a:p>
-          </p:txBody>
-        </p:sp>
-        <p:sp>
-          <p:nvSpPr>
-            <p:cNvPr id="404" name="Google Shape;404;p43"/>
-            <p:cNvSpPr txBox="1"/>
-            <p:nvPr/>
-          </p:nvSpPr>
-          <p:spPr>
-            <a:xfrm>
-              <a:off x="0" y="-9525"/>
-              <a:ext cx="1261805" cy="1283063"/>
-            </a:xfrm>
-            <a:prstGeom prst="rect">
-              <a:avLst/>
-            </a:prstGeom>
-            <a:noFill/>
-            <a:ln>
-              <a:noFill/>
-            </a:ln>
-          </p:spPr>
-          <p:txBody>
-            <a:bodyPr anchorCtr="0" anchor="ctr" bIns="50800" lIns="50800" spcFirstLastPara="1" rIns="50800" wrap="square" tIns="50800">
-              <a:noAutofit/>
-            </a:bodyPr>
-            <a:lstStyle/>
-            <a:p>
-              <a:pPr indent="0" lvl="0" marL="0" marR="0" rtl="0" algn="ctr">
-                <a:lnSpc>
-                  <a:spcPct val="78833"/>
-                </a:lnSpc>
-                <a:spcBef>
-                  <a:spcPts val="0"/>
-                </a:spcBef>
-                <a:spcAft>
-                  <a:spcPts val="0"/>
-                </a:spcAft>
-                <a:buNone/>
-              </a:pPr>
-              <a:r>
-                <a:t/>
-              </a:r>
-              <a:endParaRPr sz="1800">
-                <a:solidFill>
-                  <a:srgbClr val="000000"/>
-                </a:solidFill>
-                <a:latin typeface="Arial"/>
-                <a:ea typeface="Arial"/>
-                <a:cs typeface="Arial"/>
-                <a:sym typeface="Arial"/>
-              </a:endParaRPr>
-            </a:p>
-          </p:txBody>
-        </p:sp>
-      </p:grpSp>
-      <p:pic>
-        <p:nvPicPr>
-          <p:cNvPr id="405" name="Google Shape;405;p43"/>
-          <p:cNvPicPr preferRelativeResize="0"/>
-          <p:nvPr/>
-        </p:nvPicPr>
-        <p:blipFill rotWithShape="1">
-          <a:blip r:embed="rId4">
-            <a:alphaModFix/>
-          </a:blip>
-          <a:srcRect b="0" l="0" r="0" t="0"/>
-          <a:stretch/>
-        </p:blipFill>
-        <p:spPr>
-          <a:xfrm>
-            <a:off x="9794976" y="2734342"/>
-            <a:ext cx="5571024" cy="5571024"/>
-          </a:xfrm>
-          <a:prstGeom prst="rect">
-            <a:avLst/>
-          </a:prstGeom>
-          <a:noFill/>
-          <a:ln>
-            <a:noFill/>
-          </a:ln>
-        </p:spPr>
-      </p:pic>
     </p:spTree>
   </p:cSld>
   <p:clrMapOvr>
@@ -32353,7 +31994,7 @@
                   <a:cs typeface="Arial"/>
                   <a:sym typeface="Arial"/>
                 </a:rPr>
-                <a:t>Number of ec2 instances-1</a:t>
+                <a:t>Number of ec2 instances-</a:t>
               </a:r>
               <a:endParaRPr sz="2000">
                 <a:solidFill>
@@ -33077,7 +32718,7 @@
                   <a:cs typeface="Arial"/>
                   <a:sym typeface="Arial"/>
                 </a:rPr>
-                <a:t>No. Of Databases-1</a:t>
+                <a:t>No. Of Databases-</a:t>
               </a:r>
               <a:endParaRPr sz="2000">
                 <a:solidFill>
@@ -34198,7 +33839,7 @@
   <p:cSld>
     <p:spTree>
       <p:nvGrpSpPr>
-        <p:cNvPr id="409" name="Shape 409"/>
+        <p:cNvPr id="400" name="Shape 400"/>
         <p:cNvGrpSpPr/>
         <p:nvPr/>
       </p:nvGrpSpPr>
@@ -34212,7 +33853,7 @@
       </p:grpSpPr>
       <p:sp>
         <p:nvSpPr>
-          <p:cNvPr id="410" name="Google Shape;410;p44"/>
+          <p:cNvPr id="401" name="Google Shape;401;p44"/>
           <p:cNvSpPr/>
           <p:nvPr/>
         </p:nvSpPr>
@@ -34268,7 +33909,7 @@
       </p:sp>
       <p:sp>
         <p:nvSpPr>
-          <p:cNvPr id="411" name="Google Shape;411;p44"/>
+          <p:cNvPr id="402" name="Google Shape;402;p44"/>
           <p:cNvSpPr/>
           <p:nvPr/>
         </p:nvSpPr>
@@ -34324,7 +33965,7 @@
       </p:sp>
       <p:pic>
         <p:nvPicPr>
-          <p:cNvPr descr="Picture 2, Picture, Picture" id="412" name="Google Shape;412;p44"/>
+          <p:cNvPr descr="Picture 2, Picture, Picture" id="403" name="Google Shape;403;p44"/>
           <p:cNvPicPr preferRelativeResize="0"/>
           <p:nvPr/>
         </p:nvPicPr>
@@ -34351,7 +33992,7 @@
       </p:pic>
       <p:grpSp>
         <p:nvGrpSpPr>
-          <p:cNvPr id="413" name="Google Shape;413;p44"/>
+          <p:cNvPr id="404" name="Google Shape;404;p44"/>
           <p:cNvGrpSpPr/>
           <p:nvPr/>
         </p:nvGrpSpPr>
@@ -34365,7 +34006,7 @@
         </p:grpSpPr>
         <p:sp>
           <p:nvSpPr>
-            <p:cNvPr id="414" name="Google Shape;414;p44"/>
+            <p:cNvPr id="405" name="Google Shape;405;p44"/>
             <p:cNvSpPr/>
             <p:nvPr/>
           </p:nvSpPr>
@@ -34406,7 +34047,7 @@
         </p:sp>
         <p:sp>
           <p:nvSpPr>
-            <p:cNvPr id="415" name="Google Shape;415;p44"/>
+            <p:cNvPr id="406" name="Google Shape;406;p44"/>
             <p:cNvSpPr txBox="1"/>
             <p:nvPr/>
           </p:nvSpPr>
@@ -34460,7 +34101,7 @@
       </p:grpSp>
       <p:grpSp>
         <p:nvGrpSpPr>
-          <p:cNvPr id="416" name="Google Shape;416;p44"/>
+          <p:cNvPr id="407" name="Google Shape;407;p44"/>
           <p:cNvGrpSpPr/>
           <p:nvPr/>
         </p:nvGrpSpPr>
@@ -34474,7 +34115,7 @@
         </p:grpSpPr>
         <p:sp>
           <p:nvSpPr>
-            <p:cNvPr id="417" name="Google Shape;417;p44"/>
+            <p:cNvPr id="408" name="Google Shape;408;p44"/>
             <p:cNvSpPr/>
             <p:nvPr/>
           </p:nvSpPr>
@@ -34521,7 +34162,7 @@
         </p:sp>
         <p:sp>
           <p:nvSpPr>
-            <p:cNvPr id="418" name="Google Shape;418;p44"/>
+            <p:cNvPr id="409" name="Google Shape;409;p44"/>
             <p:cNvSpPr/>
             <p:nvPr/>
           </p:nvSpPr>
@@ -34568,7 +34209,7 @@
         </p:sp>
         <p:sp>
           <p:nvSpPr>
-            <p:cNvPr id="419" name="Google Shape;419;p44"/>
+            <p:cNvPr id="410" name="Google Shape;410;p44"/>
             <p:cNvSpPr/>
             <p:nvPr/>
           </p:nvSpPr>
@@ -34615,7 +34256,7 @@
         </p:sp>
         <p:sp>
           <p:nvSpPr>
-            <p:cNvPr id="420" name="Google Shape;420;p44"/>
+            <p:cNvPr id="411" name="Google Shape;411;p44"/>
             <p:cNvSpPr/>
             <p:nvPr/>
           </p:nvSpPr>
@@ -34662,7 +34303,7 @@
         </p:sp>
         <p:sp>
           <p:nvSpPr>
-            <p:cNvPr id="421" name="Google Shape;421;p44"/>
+            <p:cNvPr id="412" name="Google Shape;412;p44"/>
             <p:cNvSpPr/>
             <p:nvPr/>
           </p:nvSpPr>
@@ -34709,7 +34350,7 @@
         </p:sp>
         <p:sp>
           <p:nvSpPr>
-            <p:cNvPr id="422" name="Google Shape;422;p44"/>
+            <p:cNvPr id="413" name="Google Shape;413;p44"/>
             <p:cNvSpPr/>
             <p:nvPr/>
           </p:nvSpPr>
@@ -34756,7 +34397,7 @@
         </p:sp>
         <p:sp>
           <p:nvSpPr>
-            <p:cNvPr id="423" name="Google Shape;423;p44"/>
+            <p:cNvPr id="414" name="Google Shape;414;p44"/>
             <p:cNvSpPr/>
             <p:nvPr/>
           </p:nvSpPr>
@@ -34835,7 +34476,7 @@
         </p:sp>
         <p:grpSp>
           <p:nvGrpSpPr>
-            <p:cNvPr id="424" name="Google Shape;424;p44"/>
+            <p:cNvPr id="415" name="Google Shape;415;p44"/>
             <p:cNvGrpSpPr/>
             <p:nvPr/>
           </p:nvGrpSpPr>
@@ -34849,7 +34490,7 @@
           </p:grpSpPr>
           <p:sp>
             <p:nvSpPr>
-              <p:cNvPr id="425" name="Google Shape;425;p44"/>
+              <p:cNvPr id="416" name="Google Shape;416;p44"/>
               <p:cNvSpPr/>
               <p:nvPr/>
             </p:nvSpPr>
@@ -34890,7 +34531,7 @@
           </p:sp>
           <p:sp>
             <p:nvSpPr>
-              <p:cNvPr id="426" name="Google Shape;426;p44"/>
+              <p:cNvPr id="417" name="Google Shape;417;p44"/>
               <p:cNvSpPr txBox="1"/>
               <p:nvPr/>
             </p:nvSpPr>
@@ -34944,7 +34585,7 @@
         </p:grpSp>
         <p:grpSp>
           <p:nvGrpSpPr>
-            <p:cNvPr id="427" name="Google Shape;427;p44"/>
+            <p:cNvPr id="418" name="Google Shape;418;p44"/>
             <p:cNvGrpSpPr/>
             <p:nvPr/>
           </p:nvGrpSpPr>
@@ -34958,7 +34599,7 @@
           </p:grpSpPr>
           <p:sp>
             <p:nvSpPr>
-              <p:cNvPr id="428" name="Google Shape;428;p44"/>
+              <p:cNvPr id="419" name="Google Shape;419;p44"/>
               <p:cNvSpPr/>
               <p:nvPr/>
             </p:nvSpPr>
@@ -34999,7 +34640,7 @@
           </p:sp>
           <p:sp>
             <p:nvSpPr>
-              <p:cNvPr id="429" name="Google Shape;429;p44"/>
+              <p:cNvPr id="420" name="Google Shape;420;p44"/>
               <p:cNvSpPr txBox="1"/>
               <p:nvPr/>
             </p:nvSpPr>
@@ -35106,7 +34747,7 @@
         </p:grpSp>
         <p:sp>
           <p:nvSpPr>
-            <p:cNvPr id="430" name="Google Shape;430;p44"/>
+            <p:cNvPr id="421" name="Google Shape;421;p44"/>
             <p:cNvSpPr/>
             <p:nvPr/>
           </p:nvSpPr>
@@ -35185,7 +34826,7 @@
         </p:sp>
         <p:grpSp>
           <p:nvGrpSpPr>
-            <p:cNvPr id="431" name="Google Shape;431;p44"/>
+            <p:cNvPr id="422" name="Google Shape;422;p44"/>
             <p:cNvGrpSpPr/>
             <p:nvPr/>
           </p:nvGrpSpPr>
@@ -35199,7 +34840,7 @@
           </p:grpSpPr>
           <p:sp>
             <p:nvSpPr>
-              <p:cNvPr id="432" name="Google Shape;432;p44"/>
+              <p:cNvPr id="423" name="Google Shape;423;p44"/>
               <p:cNvSpPr/>
               <p:nvPr/>
             </p:nvSpPr>
@@ -35240,7 +34881,7 @@
           </p:sp>
           <p:sp>
             <p:nvSpPr>
-              <p:cNvPr id="433" name="Google Shape;433;p44"/>
+              <p:cNvPr id="424" name="Google Shape;424;p44"/>
               <p:cNvSpPr txBox="1"/>
               <p:nvPr/>
             </p:nvSpPr>
@@ -35294,7 +34935,7 @@
         </p:grpSp>
         <p:grpSp>
           <p:nvGrpSpPr>
-            <p:cNvPr id="434" name="Google Shape;434;p44"/>
+            <p:cNvPr id="425" name="Google Shape;425;p44"/>
             <p:cNvGrpSpPr/>
             <p:nvPr/>
           </p:nvGrpSpPr>
@@ -35308,7 +34949,7 @@
           </p:grpSpPr>
           <p:sp>
             <p:nvSpPr>
-              <p:cNvPr id="435" name="Google Shape;435;p44"/>
+              <p:cNvPr id="426" name="Google Shape;426;p44"/>
               <p:cNvSpPr/>
               <p:nvPr/>
             </p:nvSpPr>
@@ -35349,7 +34990,7 @@
           </p:sp>
           <p:sp>
             <p:nvSpPr>
-              <p:cNvPr id="436" name="Google Shape;436;p44"/>
+              <p:cNvPr id="427" name="Google Shape;427;p44"/>
               <p:cNvSpPr txBox="1"/>
               <p:nvPr/>
             </p:nvSpPr>
@@ -35456,7 +35097,7 @@
         </p:grpSp>
         <p:sp>
           <p:nvSpPr>
-            <p:cNvPr id="437" name="Google Shape;437;p44"/>
+            <p:cNvPr id="428" name="Google Shape;428;p44"/>
             <p:cNvSpPr/>
             <p:nvPr/>
           </p:nvSpPr>
@@ -35503,7 +35144,7 @@
         </p:sp>
         <p:sp>
           <p:nvSpPr>
-            <p:cNvPr id="438" name="Google Shape;438;p44"/>
+            <p:cNvPr id="429" name="Google Shape;429;p44"/>
             <p:cNvSpPr/>
             <p:nvPr/>
           </p:nvSpPr>
@@ -35582,7 +35223,7 @@
         </p:sp>
         <p:grpSp>
           <p:nvGrpSpPr>
-            <p:cNvPr id="439" name="Google Shape;439;p44"/>
+            <p:cNvPr id="430" name="Google Shape;430;p44"/>
             <p:cNvGrpSpPr/>
             <p:nvPr/>
           </p:nvGrpSpPr>
@@ -35596,7 +35237,7 @@
           </p:grpSpPr>
           <p:sp>
             <p:nvSpPr>
-              <p:cNvPr id="440" name="Google Shape;440;p44"/>
+              <p:cNvPr id="431" name="Google Shape;431;p44"/>
               <p:cNvSpPr/>
               <p:nvPr/>
             </p:nvSpPr>
@@ -35637,7 +35278,7 @@
           </p:sp>
           <p:sp>
             <p:nvSpPr>
-              <p:cNvPr id="441" name="Google Shape;441;p44"/>
+              <p:cNvPr id="432" name="Google Shape;432;p44"/>
               <p:cNvSpPr txBox="1"/>
               <p:nvPr/>
             </p:nvSpPr>
@@ -35691,7 +35332,7 @@
         </p:grpSp>
         <p:grpSp>
           <p:nvGrpSpPr>
-            <p:cNvPr id="442" name="Google Shape;442;p44"/>
+            <p:cNvPr id="433" name="Google Shape;433;p44"/>
             <p:cNvGrpSpPr/>
             <p:nvPr/>
           </p:nvGrpSpPr>
@@ -35705,7 +35346,7 @@
           </p:grpSpPr>
           <p:sp>
             <p:nvSpPr>
-              <p:cNvPr id="443" name="Google Shape;443;p44"/>
+              <p:cNvPr id="434" name="Google Shape;434;p44"/>
               <p:cNvSpPr/>
               <p:nvPr/>
             </p:nvSpPr>
@@ -35746,7 +35387,7 @@
           </p:sp>
           <p:sp>
             <p:nvSpPr>
-              <p:cNvPr id="444" name="Google Shape;444;p44"/>
+              <p:cNvPr id="435" name="Google Shape;435;p44"/>
               <p:cNvSpPr txBox="1"/>
               <p:nvPr/>
             </p:nvSpPr>
@@ -35853,7 +35494,7 @@
         </p:grpSp>
         <p:sp>
           <p:nvSpPr>
-            <p:cNvPr id="445" name="Google Shape;445;p44"/>
+            <p:cNvPr id="436" name="Google Shape;436;p44"/>
             <p:cNvSpPr/>
             <p:nvPr/>
           </p:nvSpPr>
@@ -35932,7 +35573,7 @@
         </p:sp>
         <p:grpSp>
           <p:nvGrpSpPr>
-            <p:cNvPr id="446" name="Google Shape;446;p44"/>
+            <p:cNvPr id="437" name="Google Shape;437;p44"/>
             <p:cNvGrpSpPr/>
             <p:nvPr/>
           </p:nvGrpSpPr>
@@ -35946,7 +35587,7 @@
           </p:grpSpPr>
           <p:sp>
             <p:nvSpPr>
-              <p:cNvPr id="447" name="Google Shape;447;p44"/>
+              <p:cNvPr id="438" name="Google Shape;438;p44"/>
               <p:cNvSpPr/>
               <p:nvPr/>
             </p:nvSpPr>
@@ -35987,7 +35628,7 @@
           </p:sp>
           <p:sp>
             <p:nvSpPr>
-              <p:cNvPr id="448" name="Google Shape;448;p44"/>
+              <p:cNvPr id="439" name="Google Shape;439;p44"/>
               <p:cNvSpPr txBox="1"/>
               <p:nvPr/>
             </p:nvSpPr>
@@ -36041,7 +35682,7 @@
         </p:grpSp>
         <p:grpSp>
           <p:nvGrpSpPr>
-            <p:cNvPr id="449" name="Google Shape;449;p44"/>
+            <p:cNvPr id="440" name="Google Shape;440;p44"/>
             <p:cNvGrpSpPr/>
             <p:nvPr/>
           </p:nvGrpSpPr>
@@ -36055,7 +35696,7 @@
           </p:grpSpPr>
           <p:sp>
             <p:nvSpPr>
-              <p:cNvPr id="450" name="Google Shape;450;p44"/>
+              <p:cNvPr id="441" name="Google Shape;441;p44"/>
               <p:cNvSpPr/>
               <p:nvPr/>
             </p:nvSpPr>
@@ -36096,7 +35737,7 @@
           </p:sp>
           <p:sp>
             <p:nvSpPr>
-              <p:cNvPr id="451" name="Google Shape;451;p44"/>
+              <p:cNvPr id="442" name="Google Shape;442;p44"/>
               <p:cNvSpPr txBox="1"/>
               <p:nvPr/>
             </p:nvSpPr>
@@ -36203,7 +35844,7 @@
         </p:grpSp>
         <p:grpSp>
           <p:nvGrpSpPr>
-            <p:cNvPr id="452" name="Google Shape;452;p44"/>
+            <p:cNvPr id="443" name="Google Shape;443;p44"/>
             <p:cNvGrpSpPr/>
             <p:nvPr/>
           </p:nvGrpSpPr>
@@ -36217,7 +35858,7 @@
           </p:grpSpPr>
           <p:sp>
             <p:nvSpPr>
-              <p:cNvPr id="453" name="Google Shape;453;p44"/>
+              <p:cNvPr id="444" name="Google Shape;444;p44"/>
               <p:cNvSpPr/>
               <p:nvPr/>
             </p:nvSpPr>
@@ -36258,7 +35899,7 @@
           </p:sp>
           <p:sp>
             <p:nvSpPr>
-              <p:cNvPr id="454" name="Google Shape;454;p44"/>
+              <p:cNvPr id="445" name="Google Shape;445;p44"/>
               <p:cNvSpPr txBox="1"/>
               <p:nvPr/>
             </p:nvSpPr>
@@ -36312,7 +35953,7 @@
         </p:grpSp>
         <p:grpSp>
           <p:nvGrpSpPr>
-            <p:cNvPr id="455" name="Google Shape;455;p44"/>
+            <p:cNvPr id="446" name="Google Shape;446;p44"/>
             <p:cNvGrpSpPr/>
             <p:nvPr/>
           </p:nvGrpSpPr>
@@ -36326,7 +35967,7 @@
           </p:grpSpPr>
           <p:sp>
             <p:nvSpPr>
-              <p:cNvPr id="456" name="Google Shape;456;p44"/>
+              <p:cNvPr id="447" name="Google Shape;447;p44"/>
               <p:cNvSpPr/>
               <p:nvPr/>
             </p:nvSpPr>
@@ -36367,7 +36008,7 @@
           </p:sp>
           <p:sp>
             <p:nvSpPr>
-              <p:cNvPr id="457" name="Google Shape;457;p44"/>
+              <p:cNvPr id="448" name="Google Shape;448;p44"/>
               <p:cNvSpPr txBox="1"/>
               <p:nvPr/>
             </p:nvSpPr>
@@ -36510,7 +36151,7 @@
         </p:grpSp>
         <p:sp>
           <p:nvSpPr>
-            <p:cNvPr id="458" name="Google Shape;458;p44"/>
+            <p:cNvPr id="449" name="Google Shape;449;p44"/>
             <p:cNvSpPr/>
             <p:nvPr/>
           </p:nvSpPr>
@@ -36557,7 +36198,7 @@
         </p:sp>
         <p:sp>
           <p:nvSpPr>
-            <p:cNvPr id="459" name="Google Shape;459;p44"/>
+            <p:cNvPr id="450" name="Google Shape;450;p44"/>
             <p:cNvSpPr/>
             <p:nvPr/>
           </p:nvSpPr>
@@ -36604,7 +36245,7 @@
         </p:sp>
         <p:sp>
           <p:nvSpPr>
-            <p:cNvPr id="460" name="Google Shape;460;p44"/>
+            <p:cNvPr id="451" name="Google Shape;451;p44"/>
             <p:cNvSpPr/>
             <p:nvPr/>
           </p:nvSpPr>
@@ -36683,7 +36324,7 @@
         </p:sp>
         <p:cxnSp>
           <p:nvCxnSpPr>
-            <p:cNvPr id="461" name="Google Shape;461;p44"/>
+            <p:cNvPr id="452" name="Google Shape;452;p44"/>
             <p:cNvCxnSpPr/>
             <p:nvPr/>
           </p:nvCxnSpPr>
@@ -36709,7 +36350,7 @@
         </p:cxnSp>
         <p:sp>
           <p:nvSpPr>
-            <p:cNvPr id="462" name="Google Shape;462;p44"/>
+            <p:cNvPr id="453" name="Google Shape;453;p44"/>
             <p:cNvSpPr/>
             <p:nvPr/>
           </p:nvSpPr>
@@ -36756,7 +36397,7 @@
         </p:sp>
         <p:grpSp>
           <p:nvGrpSpPr>
-            <p:cNvPr id="463" name="Google Shape;463;p44"/>
+            <p:cNvPr id="454" name="Google Shape;454;p44"/>
             <p:cNvGrpSpPr/>
             <p:nvPr/>
           </p:nvGrpSpPr>
@@ -36770,7 +36411,7 @@
           </p:grpSpPr>
           <p:sp>
             <p:nvSpPr>
-              <p:cNvPr id="464" name="Google Shape;464;p44"/>
+              <p:cNvPr id="455" name="Google Shape;455;p44"/>
               <p:cNvSpPr/>
               <p:nvPr/>
             </p:nvSpPr>
@@ -36821,7 +36462,7 @@
           </p:sp>
           <p:sp>
             <p:nvSpPr>
-              <p:cNvPr id="465" name="Google Shape;465;p44"/>
+              <p:cNvPr id="456" name="Google Shape;456;p44"/>
               <p:cNvSpPr txBox="1"/>
               <p:nvPr/>
             </p:nvSpPr>
@@ -36874,7 +36515,7 @@
         </p:grpSp>
         <p:grpSp>
           <p:nvGrpSpPr>
-            <p:cNvPr id="466" name="Google Shape;466;p44"/>
+            <p:cNvPr id="457" name="Google Shape;457;p44"/>
             <p:cNvGrpSpPr/>
             <p:nvPr/>
           </p:nvGrpSpPr>
@@ -36888,7 +36529,7 @@
           </p:grpSpPr>
           <p:sp>
             <p:nvSpPr>
-              <p:cNvPr id="467" name="Google Shape;467;p44"/>
+              <p:cNvPr id="458" name="Google Shape;458;p44"/>
               <p:cNvSpPr/>
               <p:nvPr/>
             </p:nvSpPr>
@@ -36968,7 +36609,7 @@
           </p:sp>
           <p:sp>
             <p:nvSpPr>
-              <p:cNvPr id="468" name="Google Shape;468;p44"/>
+              <p:cNvPr id="459" name="Google Shape;459;p44"/>
               <p:cNvSpPr txBox="1"/>
               <p:nvPr/>
             </p:nvSpPr>
@@ -37022,7 +36663,7 @@
       </p:grpSp>
       <p:sp>
         <p:nvSpPr>
-          <p:cNvPr id="469" name="Google Shape;469;p44"/>
+          <p:cNvPr id="460" name="Google Shape;460;p44"/>
           <p:cNvSpPr/>
           <p:nvPr/>
         </p:nvSpPr>
@@ -37102,7 +36743,7 @@
       </p:sp>
       <p:sp>
         <p:nvSpPr>
-          <p:cNvPr id="470" name="Google Shape;470;p44"/>
+          <p:cNvPr id="461" name="Google Shape;461;p44"/>
           <p:cNvSpPr/>
           <p:nvPr/>
         </p:nvSpPr>
@@ -37182,7 +36823,7 @@
       </p:sp>
       <p:sp>
         <p:nvSpPr>
-          <p:cNvPr id="471" name="Google Shape;471;p44"/>
+          <p:cNvPr id="462" name="Google Shape;462;p44"/>
           <p:cNvSpPr/>
           <p:nvPr/>
         </p:nvSpPr>
@@ -37273,7 +36914,7 @@
   <p:cSld>
     <p:spTree>
       <p:nvGrpSpPr>
-        <p:cNvPr id="475" name="Shape 475"/>
+        <p:cNvPr id="466" name="Shape 466"/>
         <p:cNvGrpSpPr/>
         <p:nvPr/>
       </p:nvGrpSpPr>
@@ -37287,7 +36928,7 @@
       </p:grpSpPr>
       <p:sp>
         <p:nvSpPr>
-          <p:cNvPr id="476" name="Google Shape;476;p45"/>
+          <p:cNvPr id="467" name="Google Shape;467;p45"/>
           <p:cNvSpPr/>
           <p:nvPr/>
         </p:nvSpPr>
@@ -37343,7 +36984,7 @@
       </p:sp>
       <p:sp>
         <p:nvSpPr>
-          <p:cNvPr id="477" name="Google Shape;477;p45"/>
+          <p:cNvPr id="468" name="Google Shape;468;p45"/>
           <p:cNvSpPr/>
           <p:nvPr/>
         </p:nvSpPr>
@@ -37399,7 +37040,7 @@
       </p:sp>
       <p:sp>
         <p:nvSpPr>
-          <p:cNvPr id="478" name="Google Shape;478;p45"/>
+          <p:cNvPr id="469" name="Google Shape;469;p45"/>
           <p:cNvSpPr txBox="1"/>
           <p:nvPr/>
         </p:nvSpPr>
@@ -37457,7 +37098,7 @@
       </p:sp>
       <p:grpSp>
         <p:nvGrpSpPr>
-          <p:cNvPr id="479" name="Google Shape;479;p45"/>
+          <p:cNvPr id="470" name="Google Shape;470;p45"/>
           <p:cNvGrpSpPr/>
           <p:nvPr/>
         </p:nvGrpSpPr>
@@ -37471,7 +37112,7 @@
         </p:grpSpPr>
         <p:sp>
           <p:nvSpPr>
-            <p:cNvPr id="480" name="Google Shape;480;p45"/>
+            <p:cNvPr id="471" name="Google Shape;471;p45"/>
             <p:cNvSpPr/>
             <p:nvPr/>
           </p:nvSpPr>
@@ -37518,7 +37159,7 @@
         </p:sp>
         <p:sp>
           <p:nvSpPr>
-            <p:cNvPr id="481" name="Google Shape;481;p45"/>
+            <p:cNvPr id="472" name="Google Shape;472;p45"/>
             <p:cNvSpPr txBox="1"/>
             <p:nvPr/>
           </p:nvSpPr>
@@ -37599,7 +37240,7 @@
       </p:grpSp>
       <p:grpSp>
         <p:nvGrpSpPr>
-          <p:cNvPr id="482" name="Google Shape;482;p45"/>
+          <p:cNvPr id="473" name="Google Shape;473;p45"/>
           <p:cNvGrpSpPr/>
           <p:nvPr/>
         </p:nvGrpSpPr>
@@ -37613,7 +37254,7 @@
         </p:grpSpPr>
         <p:sp>
           <p:nvSpPr>
-            <p:cNvPr id="483" name="Google Shape;483;p45"/>
+            <p:cNvPr id="474" name="Google Shape;474;p45"/>
             <p:cNvSpPr/>
             <p:nvPr/>
           </p:nvSpPr>
@@ -37660,7 +37301,7 @@
         </p:sp>
         <p:sp>
           <p:nvSpPr>
-            <p:cNvPr id="484" name="Google Shape;484;p45"/>
+            <p:cNvPr id="475" name="Google Shape;475;p45"/>
             <p:cNvSpPr txBox="1"/>
             <p:nvPr/>
           </p:nvSpPr>
@@ -37767,7 +37408,7 @@
       </p:grpSp>
       <p:grpSp>
         <p:nvGrpSpPr>
-          <p:cNvPr id="485" name="Google Shape;485;p45"/>
+          <p:cNvPr id="476" name="Google Shape;476;p45"/>
           <p:cNvGrpSpPr/>
           <p:nvPr/>
         </p:nvGrpSpPr>
@@ -37781,7 +37422,7 @@
         </p:grpSpPr>
         <p:sp>
           <p:nvSpPr>
-            <p:cNvPr id="486" name="Google Shape;486;p45"/>
+            <p:cNvPr id="477" name="Google Shape;477;p45"/>
             <p:cNvSpPr/>
             <p:nvPr/>
           </p:nvSpPr>
@@ -37828,7 +37469,7 @@
         </p:sp>
         <p:sp>
           <p:nvSpPr>
-            <p:cNvPr id="487" name="Google Shape;487;p45"/>
+            <p:cNvPr id="478" name="Google Shape;478;p45"/>
             <p:cNvSpPr txBox="1"/>
             <p:nvPr/>
           </p:nvSpPr>
@@ -37909,7 +37550,7 @@
       </p:grpSp>
       <p:grpSp>
         <p:nvGrpSpPr>
-          <p:cNvPr id="488" name="Google Shape;488;p45"/>
+          <p:cNvPr id="479" name="Google Shape;479;p45"/>
           <p:cNvGrpSpPr/>
           <p:nvPr/>
         </p:nvGrpSpPr>
@@ -37923,7 +37564,7 @@
         </p:grpSpPr>
         <p:sp>
           <p:nvSpPr>
-            <p:cNvPr id="489" name="Google Shape;489;p45"/>
+            <p:cNvPr id="480" name="Google Shape;480;p45"/>
             <p:cNvSpPr/>
             <p:nvPr/>
           </p:nvSpPr>
@@ -37970,7 +37611,7 @@
         </p:sp>
         <p:sp>
           <p:nvSpPr>
-            <p:cNvPr id="490" name="Google Shape;490;p45"/>
+            <p:cNvPr id="481" name="Google Shape;481;p45"/>
             <p:cNvSpPr txBox="1"/>
             <p:nvPr/>
           </p:nvSpPr>
@@ -38051,7 +37692,7 @@
       </p:grpSp>
       <p:grpSp>
         <p:nvGrpSpPr>
-          <p:cNvPr id="491" name="Google Shape;491;p45"/>
+          <p:cNvPr id="482" name="Google Shape;482;p45"/>
           <p:cNvGrpSpPr/>
           <p:nvPr/>
         </p:nvGrpSpPr>
@@ -38065,7 +37706,7 @@
         </p:grpSpPr>
         <p:sp>
           <p:nvSpPr>
-            <p:cNvPr id="492" name="Google Shape;492;p45"/>
+            <p:cNvPr id="483" name="Google Shape;483;p45"/>
             <p:cNvSpPr/>
             <p:nvPr/>
           </p:nvSpPr>
@@ -38112,7 +37753,7 @@
         </p:sp>
         <p:sp>
           <p:nvSpPr>
-            <p:cNvPr id="493" name="Google Shape;493;p45"/>
+            <p:cNvPr id="484" name="Google Shape;484;p45"/>
             <p:cNvSpPr txBox="1"/>
             <p:nvPr/>
           </p:nvSpPr>
@@ -38193,7 +37834,7 @@
       </p:grpSp>
       <p:grpSp>
         <p:nvGrpSpPr>
-          <p:cNvPr id="494" name="Google Shape;494;p45"/>
+          <p:cNvPr id="485" name="Google Shape;485;p45"/>
           <p:cNvGrpSpPr/>
           <p:nvPr/>
         </p:nvGrpSpPr>
@@ -38207,7 +37848,7 @@
         </p:grpSpPr>
         <p:sp>
           <p:nvSpPr>
-            <p:cNvPr id="495" name="Google Shape;495;p45"/>
+            <p:cNvPr id="486" name="Google Shape;486;p45"/>
             <p:cNvSpPr/>
             <p:nvPr/>
           </p:nvSpPr>
@@ -38254,7 +37895,7 @@
         </p:sp>
         <p:sp>
           <p:nvSpPr>
-            <p:cNvPr id="496" name="Google Shape;496;p45"/>
+            <p:cNvPr id="487" name="Google Shape;487;p45"/>
             <p:cNvSpPr txBox="1"/>
             <p:nvPr/>
           </p:nvSpPr>
@@ -38335,7 +37976,7 @@
       </p:grpSp>
       <p:pic>
         <p:nvPicPr>
-          <p:cNvPr descr="Picture 2, Picture, Picture" id="497" name="Google Shape;497;p45"/>
+          <p:cNvPr descr="Picture 2, Picture, Picture" id="488" name="Google Shape;488;p45"/>
           <p:cNvPicPr preferRelativeResize="0"/>
           <p:nvPr/>
         </p:nvPicPr>
@@ -38373,7 +38014,7 @@
   <p:cSld>
     <p:spTree>
       <p:nvGrpSpPr>
-        <p:cNvPr id="501" name="Shape 501"/>
+        <p:cNvPr id="492" name="Shape 492"/>
         <p:cNvGrpSpPr/>
         <p:nvPr/>
       </p:nvGrpSpPr>
@@ -38387,7 +38028,7 @@
       </p:grpSpPr>
       <p:pic>
         <p:nvPicPr>
-          <p:cNvPr id="502" name="Google Shape;502;p46"/>
+          <p:cNvPr id="493" name="Google Shape;493;p46"/>
           <p:cNvPicPr preferRelativeResize="0"/>
           <p:nvPr/>
         </p:nvPicPr>
@@ -38414,7 +38055,7 @@
       </p:pic>
       <p:sp>
         <p:nvSpPr>
-          <p:cNvPr id="503" name="Google Shape;503;p46"/>
+          <p:cNvPr id="494" name="Google Shape;494;p46"/>
           <p:cNvSpPr/>
           <p:nvPr/>
         </p:nvSpPr>
@@ -38470,7 +38111,7 @@
       </p:sp>
       <p:sp>
         <p:nvSpPr>
-          <p:cNvPr id="504" name="Google Shape;504;p46"/>
+          <p:cNvPr id="495" name="Google Shape;495;p46"/>
           <p:cNvSpPr/>
           <p:nvPr/>
         </p:nvSpPr>
@@ -38526,7 +38167,7 @@
       </p:sp>
       <p:pic>
         <p:nvPicPr>
-          <p:cNvPr id="505" name="Google Shape;505;p46"/>
+          <p:cNvPr id="496" name="Google Shape;496;p46"/>
           <p:cNvPicPr preferRelativeResize="0"/>
           <p:nvPr/>
         </p:nvPicPr>
@@ -38553,7 +38194,7 @@
       </p:pic>
       <p:sp>
         <p:nvSpPr>
-          <p:cNvPr id="506" name="Google Shape;506;p46"/>
+          <p:cNvPr id="497" name="Google Shape;497;p46"/>
           <p:cNvSpPr txBox="1"/>
           <p:nvPr/>
         </p:nvSpPr>
@@ -38670,7 +38311,7 @@
       </p:sp>
       <p:sp>
         <p:nvSpPr>
-          <p:cNvPr id="507" name="Google Shape;507;p46"/>
+          <p:cNvPr id="498" name="Google Shape;498;p46"/>
           <p:cNvSpPr txBox="1"/>
           <p:nvPr/>
         </p:nvSpPr>
@@ -38720,7 +38361,7 @@
       </p:sp>
       <p:sp>
         <p:nvSpPr>
-          <p:cNvPr id="508" name="Google Shape;508;p46"/>
+          <p:cNvPr id="499" name="Google Shape;499;p46"/>
           <p:cNvSpPr txBox="1"/>
           <p:nvPr/>
         </p:nvSpPr>
@@ -38953,7 +38594,7 @@
             <a:tbl>
               <a:tblPr bandRow="1" firstRow="1">
                 <a:noFill/>
-                <a:tableStyleId>{C503CEC6-2316-406F-96DF-D67F47F5BFB6}</a:tableStyleId>
+                <a:tableStyleId>{523CFE03-B3D0-4724-BB2D-27FC2B9138DC}</a:tableStyleId>
               </a:tblPr>
               <a:tblGrid>
                 <a:gridCol w="2463075"/>
@@ -40510,7 +40151,7 @@
             <a:tbl>
               <a:tblPr bandRow="1" firstRow="1">
                 <a:noFill/>
-                <a:tableStyleId>{C503CEC6-2316-406F-96DF-D67F47F5BFB6}</a:tableStyleId>
+                <a:tableStyleId>{523CFE03-B3D0-4724-BB2D-27FC2B9138DC}</a:tableStyleId>
               </a:tblPr>
               <a:tblGrid>
                 <a:gridCol w="1811800"/>
@@ -41728,43 +41369,16 @@
           </a:ln>
         </p:spPr>
       </p:pic>
-      <p:pic>
-        <p:nvPicPr>
-          <p:cNvPr id="238" name="Google Shape;238;p33"/>
-          <p:cNvPicPr preferRelativeResize="0"/>
-          <p:nvPr/>
-        </p:nvPicPr>
-        <p:blipFill rotWithShape="1">
-          <a:blip r:embed="rId4">
-            <a:alphaModFix/>
-          </a:blip>
-          <a:srcRect b="0" l="0" r="0" t="0"/>
-          <a:stretch/>
-        </p:blipFill>
-        <p:spPr>
-          <a:xfrm>
-            <a:off x="7334314" y="1993488"/>
-            <a:ext cx="10755728" cy="7753222"/>
-          </a:xfrm>
-          <a:prstGeom prst="rect">
-            <a:avLst/>
-          </a:prstGeom>
-          <a:noFill/>
-          <a:ln>
-            <a:noFill/>
-          </a:ln>
-        </p:spPr>
-      </p:pic>
       <p:sp>
         <p:nvSpPr>
-          <p:cNvPr id="239" name="Google Shape;239;p33"/>
+          <p:cNvPr id="238" name="Google Shape;238;p33"/>
           <p:cNvSpPr txBox="1"/>
           <p:nvPr/>
         </p:nvSpPr>
         <p:spPr>
           <a:xfrm>
-            <a:off x="9451416" y="1993488"/>
-            <a:ext cx="4572000" cy="396240"/>
+            <a:off x="12378416" y="2650988"/>
+            <a:ext cx="4572000" cy="430800"/>
           </a:xfrm>
           <a:prstGeom prst="rect">
             <a:avLst/>
@@ -41815,7 +41429,7 @@
       </p:sp>
       <p:sp>
         <p:nvSpPr>
-          <p:cNvPr id="240" name="Google Shape;240;p33"/>
+          <p:cNvPr id="239" name="Google Shape;239;p33"/>
           <p:cNvSpPr txBox="1"/>
           <p:nvPr/>
         </p:nvSpPr>
@@ -41876,14 +41490,14 @@
       </p:sp>
       <p:sp>
         <p:nvSpPr>
-          <p:cNvPr id="241" name="Google Shape;241;p33"/>
+          <p:cNvPr id="240" name="Google Shape;240;p33"/>
           <p:cNvSpPr txBox="1"/>
           <p:nvPr/>
         </p:nvSpPr>
         <p:spPr>
           <a:xfrm>
             <a:off x="1092441" y="4017521"/>
-            <a:ext cx="4572000" cy="6797040"/>
+            <a:ext cx="4572000" cy="6557100"/>
           </a:xfrm>
           <a:prstGeom prst="rect">
             <a:avLst/>
@@ -41931,68 +41545,17 @@
             </a:endParaRPr>
           </a:p>
           <a:p>
-            <a:pPr indent="-457200" lvl="0" marL="457200" marR="0" rtl="0" algn="l">
-              <a:spcBef>
-                <a:spcPts val="0"/>
-              </a:spcBef>
-              <a:spcAft>
-                <a:spcPts val="0"/>
-              </a:spcAft>
-              <a:buClr>
-                <a:srgbClr val="000000"/>
-              </a:buClr>
-              <a:buSzPts val="2800"/>
-              <a:buFont typeface="Noto Sans Symbols"/>
-              <a:buChar char="●"/>
+            <a:pPr indent="0" lvl="0" marL="457200" marR="0" rtl="0" algn="l">
+              <a:spcBef>
+                <a:spcPts val="0"/>
+              </a:spcBef>
+              <a:spcAft>
+                <a:spcPts val="0"/>
+              </a:spcAft>
+              <a:buNone/>
             </a:pPr>
             <a:r>
-              <a:rPr lang="en-US" sz="2800">
-                <a:solidFill>
-                  <a:srgbClr val="000000"/>
-                </a:solidFill>
-                <a:latin typeface="Arial"/>
-                <a:ea typeface="Arial"/>
-                <a:cs typeface="Arial"/>
-                <a:sym typeface="Arial"/>
-              </a:rPr>
-              <a:t>   server-1</a:t>
-            </a:r>
-            <a:endParaRPr sz="2800">
-              <a:solidFill>
-                <a:srgbClr val="000000"/>
-              </a:solidFill>
-              <a:latin typeface="Arial"/>
-              <a:ea typeface="Arial"/>
-              <a:cs typeface="Arial"/>
-              <a:sym typeface="Arial"/>
-            </a:endParaRPr>
-          </a:p>
-          <a:p>
-            <a:pPr indent="-457200" lvl="0" marL="457200" marR="0" rtl="0" algn="l">
-              <a:spcBef>
-                <a:spcPts val="0"/>
-              </a:spcBef>
-              <a:spcAft>
-                <a:spcPts val="0"/>
-              </a:spcAft>
-              <a:buClr>
-                <a:srgbClr val="000000"/>
-              </a:buClr>
-              <a:buSzPts val="2800"/>
-              <a:buFont typeface="Noto Sans Symbols"/>
-              <a:buChar char="●"/>
-            </a:pPr>
-            <a:r>
-              <a:rPr lang="en-US" sz="2800">
-                <a:solidFill>
-                  <a:srgbClr val="000000"/>
-                </a:solidFill>
-                <a:latin typeface="Arial"/>
-                <a:ea typeface="Arial"/>
-                <a:cs typeface="Arial"/>
-                <a:sym typeface="Arial"/>
-              </a:rPr>
-              <a:t>   database-1</a:t>
+              <a:t/>
             </a:r>
             <a:endParaRPr sz="2800">
               <a:solidFill>
@@ -42685,6 +42248,285 @@
 </file>
 
 <file path=ppt/theme/theme2.xml><?xml version="1.0" encoding="utf-8"?>
+<a:theme xmlns:a="http://schemas.openxmlformats.org/drawingml/2006/main" xmlns:r="http://schemas.openxmlformats.org/officeDocument/2006/relationships" name="Office Theme">
+  <a:themeElements>
+    <a:clrScheme name="Office">
+      <a:dk1>
+        <a:srgbClr val="000000"/>
+      </a:dk1>
+      <a:lt1>
+        <a:srgbClr val="FFFFFF"/>
+      </a:lt1>
+      <a:dk2>
+        <a:srgbClr val="1F497D"/>
+      </a:dk2>
+      <a:lt2>
+        <a:srgbClr val="EEECE1"/>
+      </a:lt2>
+      <a:accent1>
+        <a:srgbClr val="4F81BD"/>
+      </a:accent1>
+      <a:accent2>
+        <a:srgbClr val="C0504D"/>
+      </a:accent2>
+      <a:accent3>
+        <a:srgbClr val="9BBB59"/>
+      </a:accent3>
+      <a:accent4>
+        <a:srgbClr val="8064A2"/>
+      </a:accent4>
+      <a:accent5>
+        <a:srgbClr val="4BACC6"/>
+      </a:accent5>
+      <a:accent6>
+        <a:srgbClr val="F79646"/>
+      </a:accent6>
+      <a:hlink>
+        <a:srgbClr val="0000FF"/>
+      </a:hlink>
+      <a:folHlink>
+        <a:srgbClr val="800080"/>
+      </a:folHlink>
+    </a:clrScheme>
+    <a:fontScheme name="Office">
+      <a:majorFont>
+        <a:latin typeface="Arial"/>
+        <a:ea typeface=""/>
+        <a:cs typeface=""/>
+        <a:font script="Jpan" typeface="ＭＳ Ｐゴシック"/>
+        <a:font script="Hang" typeface="맑은 고딕"/>
+        <a:font script="Hans" typeface="宋体"/>
+        <a:font script="Hant" typeface="新細明體"/>
+        <a:font script="Arab" typeface="Times New Roman"/>
+        <a:font script="Hebr" typeface="Times New Roman"/>
+        <a:font script="Thai" typeface="Angsana New"/>
+        <a:font script="Ethi" typeface="Nyala"/>
+        <a:font script="Beng" typeface="Vrinda"/>
+        <a:font script="Gujr" typeface="Shruti"/>
+        <a:font script="Khmr" typeface="MoolBoran"/>
+        <a:font script="Knda" typeface="Tunga"/>
+        <a:font script="Guru" typeface="Raavi"/>
+        <a:font script="Cans" typeface="Euphemia"/>
+        <a:font script="Cher" typeface="Plantagenet Cherokee"/>
+        <a:font script="Yiii" typeface="Microsoft Yi Baiti"/>
+        <a:font script="Tibt" typeface="Microsoft Himalaya"/>
+        <a:font script="Thaa" typeface="MV Boli"/>
+        <a:font script="Deva" typeface="Mangal"/>
+        <a:font script="Telu" typeface="Gautami"/>
+        <a:font script="Taml" typeface="Latha"/>
+        <a:font script="Syrc" typeface="Estrangelo Edessa"/>
+        <a:font script="Orya" typeface="Kalinga"/>
+        <a:font script="Mlym" typeface="Kartika"/>
+        <a:font script="Laoo" typeface="DokChampa"/>
+        <a:font script="Sinh" typeface="Iskoola Pota"/>
+        <a:font script="Mong" typeface="Mongolian Baiti"/>
+        <a:font script="Viet" typeface="Times New Roman"/>
+        <a:font script="Uigh" typeface="Microsoft Uighur"/>
+        <a:font script="Geor" typeface="Sylfaen"/>
+      </a:majorFont>
+      <a:minorFont>
+        <a:latin typeface="Arial"/>
+        <a:ea typeface=""/>
+        <a:cs typeface=""/>
+        <a:font script="Jpan" typeface="ＭＳ Ｐゴシック"/>
+        <a:font script="Hang" typeface="맑은 고딕"/>
+        <a:font script="Hans" typeface="宋体"/>
+        <a:font script="Hant" typeface="新細明體"/>
+        <a:font script="Arab" typeface="Arial"/>
+        <a:font script="Hebr" typeface="Arial"/>
+        <a:font script="Thai" typeface="Cordia New"/>
+        <a:font script="Ethi" typeface="Nyala"/>
+        <a:font script="Beng" typeface="Vrinda"/>
+        <a:font script="Gujr" typeface="Shruti"/>
+        <a:font script="Khmr" typeface="DaunPenh"/>
+        <a:font script="Knda" typeface="Tunga"/>
+        <a:font script="Guru" typeface="Raavi"/>
+        <a:font script="Cans" typeface="Euphemia"/>
+        <a:font script="Cher" typeface="Plantagenet Cherokee"/>
+        <a:font script="Yiii" typeface="Microsoft Yi Baiti"/>
+        <a:font script="Tibt" typeface="Microsoft Himalaya"/>
+        <a:font script="Thaa" typeface="MV Boli"/>
+        <a:font script="Deva" typeface="Mangal"/>
+        <a:font script="Telu" typeface="Gautami"/>
+        <a:font script="Taml" typeface="Latha"/>
+        <a:font script="Syrc" typeface="Estrangelo Edessa"/>
+        <a:font script="Orya" typeface="Kalinga"/>
+        <a:font script="Mlym" typeface="Kartika"/>
+        <a:font script="Laoo" typeface="DokChampa"/>
+        <a:font script="Sinh" typeface="Iskoola Pota"/>
+        <a:font script="Mong" typeface="Mongolian Baiti"/>
+        <a:font script="Viet" typeface="Arial"/>
+        <a:font script="Uigh" typeface="Microsoft Uighur"/>
+        <a:font script="Geor" typeface="Sylfaen"/>
+      </a:minorFont>
+    </a:fontScheme>
+    <a:fmtScheme name="Office">
+      <a:fillStyleLst>
+        <a:solidFill>
+          <a:schemeClr val="phClr"/>
+        </a:solidFill>
+        <a:gradFill rotWithShape="1">
+          <a:gsLst>
+            <a:gs pos="0">
+              <a:schemeClr val="phClr">
+                <a:tint val="50000"/>
+                <a:satMod val="300000"/>
+              </a:schemeClr>
+            </a:gs>
+            <a:gs pos="35000">
+              <a:schemeClr val="phClr">
+                <a:tint val="37000"/>
+                <a:satMod val="300000"/>
+              </a:schemeClr>
+            </a:gs>
+            <a:gs pos="100000">
+              <a:schemeClr val="phClr">
+                <a:tint val="15000"/>
+                <a:satMod val="350000"/>
+              </a:schemeClr>
+            </a:gs>
+          </a:gsLst>
+          <a:lin ang="16200000" scaled="1"/>
+        </a:gradFill>
+        <a:gradFill rotWithShape="1">
+          <a:gsLst>
+            <a:gs pos="0">
+              <a:schemeClr val="phClr">
+                <a:tint val="100000"/>
+                <a:shade val="100000"/>
+                <a:satMod val="130000"/>
+              </a:schemeClr>
+            </a:gs>
+            <a:gs pos="100000">
+              <a:schemeClr val="phClr">
+                <a:tint val="50000"/>
+                <a:shade val="100000"/>
+                <a:satMod val="350000"/>
+              </a:schemeClr>
+            </a:gs>
+          </a:gsLst>
+          <a:lin ang="16200000" scaled="0"/>
+        </a:gradFill>
+      </a:fillStyleLst>
+      <a:lnStyleLst>
+        <a:ln w="9525" cap="flat" cmpd="sng" algn="ctr">
+          <a:solidFill>
+            <a:schemeClr val="phClr">
+              <a:shade val="95000"/>
+              <a:satMod val="105000"/>
+            </a:schemeClr>
+          </a:solidFill>
+          <a:prstDash val="solid"/>
+        </a:ln>
+        <a:ln w="25400" cap="flat" cmpd="sng" algn="ctr">
+          <a:solidFill>
+            <a:schemeClr val="phClr"/>
+          </a:solidFill>
+          <a:prstDash val="solid"/>
+        </a:ln>
+        <a:ln w="38100" cap="flat" cmpd="sng" algn="ctr">
+          <a:solidFill>
+            <a:schemeClr val="phClr"/>
+          </a:solidFill>
+          <a:prstDash val="solid"/>
+        </a:ln>
+      </a:lnStyleLst>
+      <a:effectStyleLst>
+        <a:effectStyle>
+          <a:effectLst>
+            <a:outerShdw blurRad="40000" dist="20000" dir="5400000" rotWithShape="0">
+              <a:srgbClr val="000000">
+                <a:alpha val="38000"/>
+              </a:srgbClr>
+            </a:outerShdw>
+          </a:effectLst>
+        </a:effectStyle>
+        <a:effectStyle>
+          <a:effectLst>
+            <a:outerShdw blurRad="40000" dist="23000" dir="5400000" rotWithShape="0">
+              <a:srgbClr val="000000">
+                <a:alpha val="35000"/>
+              </a:srgbClr>
+            </a:outerShdw>
+          </a:effectLst>
+        </a:effectStyle>
+        <a:effectStyle>
+          <a:effectLst>
+            <a:outerShdw blurRad="40000" dist="23000" dir="5400000" rotWithShape="0">
+              <a:srgbClr val="000000">
+                <a:alpha val="35000"/>
+              </a:srgbClr>
+            </a:outerShdw>
+          </a:effectLst>
+          <a:scene3d>
+            <a:camera prst="orthographicFront">
+              <a:rot lat="0" lon="0" rev="0"/>
+            </a:camera>
+            <a:lightRig rig="threePt" dir="t">
+              <a:rot lat="0" lon="0" rev="1200000"/>
+            </a:lightRig>
+          </a:scene3d>
+          <a:sp3d>
+            <a:bevelT w="63500" h="25400"/>
+          </a:sp3d>
+        </a:effectStyle>
+      </a:effectStyleLst>
+      <a:bgFillStyleLst>
+        <a:solidFill>
+          <a:schemeClr val="phClr"/>
+        </a:solidFill>
+        <a:gradFill rotWithShape="1">
+          <a:gsLst>
+            <a:gs pos="0">
+              <a:schemeClr val="phClr">
+                <a:tint val="40000"/>
+                <a:satMod val="350000"/>
+              </a:schemeClr>
+            </a:gs>
+            <a:gs pos="40000">
+              <a:schemeClr val="phClr">
+                <a:tint val="45000"/>
+                <a:shade val="99000"/>
+                <a:satMod val="350000"/>
+              </a:schemeClr>
+            </a:gs>
+            <a:gs pos="100000">
+              <a:schemeClr val="phClr">
+                <a:shade val="20000"/>
+                <a:satMod val="255000"/>
+              </a:schemeClr>
+            </a:gs>
+          </a:gsLst>
+          <a:path path="circle">
+            <a:fillToRect l="50000" t="-80000" r="50000" b="180000"/>
+          </a:path>
+        </a:gradFill>
+        <a:gradFill rotWithShape="1">
+          <a:gsLst>
+            <a:gs pos="0">
+              <a:schemeClr val="phClr">
+                <a:tint val="80000"/>
+                <a:satMod val="300000"/>
+              </a:schemeClr>
+            </a:gs>
+            <a:gs pos="100000">
+              <a:schemeClr val="phClr">
+                <a:shade val="30000"/>
+                <a:satMod val="200000"/>
+              </a:schemeClr>
+            </a:gs>
+          </a:gsLst>
+          <a:path path="circle">
+            <a:fillToRect l="50000" t="50000" r="50000" b="50000"/>
+          </a:path>
+        </a:gradFill>
+      </a:bgFillStyleLst>
+    </a:fmtScheme>
+  </a:themeElements>
+</a:theme>
+</file>
+
+<file path=ppt/theme/theme3.xml><?xml version="1.0" encoding="utf-8"?>
 <a:theme xmlns:a="http://schemas.openxmlformats.org/drawingml/2006/main" xmlns:r="http://schemas.openxmlformats.org/officeDocument/2006/relationships" name="Simple Light">
   <a:themeElements>
     <a:clrScheme name="Simple Light">
@@ -42961,283 +42803,4 @@
     </a:fmtScheme>
   </a:themeElements>
 </a:theme>
-</file>
-
-<file path=ppt/theme/theme3.xml><?xml version="1.0" encoding="utf-8"?>
-<a:theme xmlns:a="http://schemas.openxmlformats.org/drawingml/2006/main" xmlns:r="http://schemas.openxmlformats.org/officeDocument/2006/relationships" name="Office Theme">
-  <a:themeElements>
-    <a:clrScheme name="Office">
-      <a:dk1>
-        <a:srgbClr val="000000"/>
-      </a:dk1>
-      <a:lt1>
-        <a:srgbClr val="FFFFFF"/>
-      </a:lt1>
-      <a:dk2>
-        <a:srgbClr val="1F497D"/>
-      </a:dk2>
-      <a:lt2>
-        <a:srgbClr val="EEECE1"/>
-      </a:lt2>
-      <a:accent1>
-        <a:srgbClr val="4F81BD"/>
-      </a:accent1>
-      <a:accent2>
-        <a:srgbClr val="C0504D"/>
-      </a:accent2>
-      <a:accent3>
-        <a:srgbClr val="9BBB59"/>
-      </a:accent3>
-      <a:accent4>
-        <a:srgbClr val="8064A2"/>
-      </a:accent4>
-      <a:accent5>
-        <a:srgbClr val="4BACC6"/>
-      </a:accent5>
-      <a:accent6>
-        <a:srgbClr val="F79646"/>
-      </a:accent6>
-      <a:hlink>
-        <a:srgbClr val="0000FF"/>
-      </a:hlink>
-      <a:folHlink>
-        <a:srgbClr val="800080"/>
-      </a:folHlink>
-    </a:clrScheme>
-    <a:fontScheme name="Office">
-      <a:majorFont>
-        <a:latin typeface="Arial"/>
-        <a:ea typeface=""/>
-        <a:cs typeface=""/>
-        <a:font script="Jpan" typeface="ＭＳ Ｐゴシック"/>
-        <a:font script="Hang" typeface="맑은 고딕"/>
-        <a:font script="Hans" typeface="宋体"/>
-        <a:font script="Hant" typeface="新細明體"/>
-        <a:font script="Arab" typeface="Times New Roman"/>
-        <a:font script="Hebr" typeface="Times New Roman"/>
-        <a:font script="Thai" typeface="Angsana New"/>
-        <a:font script="Ethi" typeface="Nyala"/>
-        <a:font script="Beng" typeface="Vrinda"/>
-        <a:font script="Gujr" typeface="Shruti"/>
-        <a:font script="Khmr" typeface="MoolBoran"/>
-        <a:font script="Knda" typeface="Tunga"/>
-        <a:font script="Guru" typeface="Raavi"/>
-        <a:font script="Cans" typeface="Euphemia"/>
-        <a:font script="Cher" typeface="Plantagenet Cherokee"/>
-        <a:font script="Yiii" typeface="Microsoft Yi Baiti"/>
-        <a:font script="Tibt" typeface="Microsoft Himalaya"/>
-        <a:font script="Thaa" typeface="MV Boli"/>
-        <a:font script="Deva" typeface="Mangal"/>
-        <a:font script="Telu" typeface="Gautami"/>
-        <a:font script="Taml" typeface="Latha"/>
-        <a:font script="Syrc" typeface="Estrangelo Edessa"/>
-        <a:font script="Orya" typeface="Kalinga"/>
-        <a:font script="Mlym" typeface="Kartika"/>
-        <a:font script="Laoo" typeface="DokChampa"/>
-        <a:font script="Sinh" typeface="Iskoola Pota"/>
-        <a:font script="Mong" typeface="Mongolian Baiti"/>
-        <a:font script="Viet" typeface="Times New Roman"/>
-        <a:font script="Uigh" typeface="Microsoft Uighur"/>
-        <a:font script="Geor" typeface="Sylfaen"/>
-      </a:majorFont>
-      <a:minorFont>
-        <a:latin typeface="Arial"/>
-        <a:ea typeface=""/>
-        <a:cs typeface=""/>
-        <a:font script="Jpan" typeface="ＭＳ Ｐゴシック"/>
-        <a:font script="Hang" typeface="맑은 고딕"/>
-        <a:font script="Hans" typeface="宋体"/>
-        <a:font script="Hant" typeface="新細明體"/>
-        <a:font script="Arab" typeface="Arial"/>
-        <a:font script="Hebr" typeface="Arial"/>
-        <a:font script="Thai" typeface="Cordia New"/>
-        <a:font script="Ethi" typeface="Nyala"/>
-        <a:font script="Beng" typeface="Vrinda"/>
-        <a:font script="Gujr" typeface="Shruti"/>
-        <a:font script="Khmr" typeface="DaunPenh"/>
-        <a:font script="Knda" typeface="Tunga"/>
-        <a:font script="Guru" typeface="Raavi"/>
-        <a:font script="Cans" typeface="Euphemia"/>
-        <a:font script="Cher" typeface="Plantagenet Cherokee"/>
-        <a:font script="Yiii" typeface="Microsoft Yi Baiti"/>
-        <a:font script="Tibt" typeface="Microsoft Himalaya"/>
-        <a:font script="Thaa" typeface="MV Boli"/>
-        <a:font script="Deva" typeface="Mangal"/>
-        <a:font script="Telu" typeface="Gautami"/>
-        <a:font script="Taml" typeface="Latha"/>
-        <a:font script="Syrc" typeface="Estrangelo Edessa"/>
-        <a:font script="Orya" typeface="Kalinga"/>
-        <a:font script="Mlym" typeface="Kartika"/>
-        <a:font script="Laoo" typeface="DokChampa"/>
-        <a:font script="Sinh" typeface="Iskoola Pota"/>
-        <a:font script="Mong" typeface="Mongolian Baiti"/>
-        <a:font script="Viet" typeface="Arial"/>
-        <a:font script="Uigh" typeface="Microsoft Uighur"/>
-        <a:font script="Geor" typeface="Sylfaen"/>
-      </a:minorFont>
-    </a:fontScheme>
-    <a:fmtScheme name="Office">
-      <a:fillStyleLst>
-        <a:solidFill>
-          <a:schemeClr val="phClr"/>
-        </a:solidFill>
-        <a:gradFill rotWithShape="1">
-          <a:gsLst>
-            <a:gs pos="0">
-              <a:schemeClr val="phClr">
-                <a:tint val="50000"/>
-                <a:satMod val="300000"/>
-              </a:schemeClr>
-            </a:gs>
-            <a:gs pos="35000">
-              <a:schemeClr val="phClr">
-                <a:tint val="37000"/>
-                <a:satMod val="300000"/>
-              </a:schemeClr>
-            </a:gs>
-            <a:gs pos="100000">
-              <a:schemeClr val="phClr">
-                <a:tint val="15000"/>
-                <a:satMod val="350000"/>
-              </a:schemeClr>
-            </a:gs>
-          </a:gsLst>
-          <a:lin ang="16200000" scaled="1"/>
-        </a:gradFill>
-        <a:gradFill rotWithShape="1">
-          <a:gsLst>
-            <a:gs pos="0">
-              <a:schemeClr val="phClr">
-                <a:tint val="100000"/>
-                <a:shade val="100000"/>
-                <a:satMod val="130000"/>
-              </a:schemeClr>
-            </a:gs>
-            <a:gs pos="100000">
-              <a:schemeClr val="phClr">
-                <a:tint val="50000"/>
-                <a:shade val="100000"/>
-                <a:satMod val="350000"/>
-              </a:schemeClr>
-            </a:gs>
-          </a:gsLst>
-          <a:lin ang="16200000" scaled="0"/>
-        </a:gradFill>
-      </a:fillStyleLst>
-      <a:lnStyleLst>
-        <a:ln w="9525" cap="flat" cmpd="sng" algn="ctr">
-          <a:solidFill>
-            <a:schemeClr val="phClr">
-              <a:shade val="95000"/>
-              <a:satMod val="105000"/>
-            </a:schemeClr>
-          </a:solidFill>
-          <a:prstDash val="solid"/>
-        </a:ln>
-        <a:ln w="25400" cap="flat" cmpd="sng" algn="ctr">
-          <a:solidFill>
-            <a:schemeClr val="phClr"/>
-          </a:solidFill>
-          <a:prstDash val="solid"/>
-        </a:ln>
-        <a:ln w="38100" cap="flat" cmpd="sng" algn="ctr">
-          <a:solidFill>
-            <a:schemeClr val="phClr"/>
-          </a:solidFill>
-          <a:prstDash val="solid"/>
-        </a:ln>
-      </a:lnStyleLst>
-      <a:effectStyleLst>
-        <a:effectStyle>
-          <a:effectLst>
-            <a:outerShdw blurRad="40000" dist="20000" dir="5400000" rotWithShape="0">
-              <a:srgbClr val="000000">
-                <a:alpha val="38000"/>
-              </a:srgbClr>
-            </a:outerShdw>
-          </a:effectLst>
-        </a:effectStyle>
-        <a:effectStyle>
-          <a:effectLst>
-            <a:outerShdw blurRad="40000" dist="23000" dir="5400000" rotWithShape="0">
-              <a:srgbClr val="000000">
-                <a:alpha val="35000"/>
-              </a:srgbClr>
-            </a:outerShdw>
-          </a:effectLst>
-        </a:effectStyle>
-        <a:effectStyle>
-          <a:effectLst>
-            <a:outerShdw blurRad="40000" dist="23000" dir="5400000" rotWithShape="0">
-              <a:srgbClr val="000000">
-                <a:alpha val="35000"/>
-              </a:srgbClr>
-            </a:outerShdw>
-          </a:effectLst>
-          <a:scene3d>
-            <a:camera prst="orthographicFront">
-              <a:rot lat="0" lon="0" rev="0"/>
-            </a:camera>
-            <a:lightRig rig="threePt" dir="t">
-              <a:rot lat="0" lon="0" rev="1200000"/>
-            </a:lightRig>
-          </a:scene3d>
-          <a:sp3d>
-            <a:bevelT w="63500" h="25400"/>
-          </a:sp3d>
-        </a:effectStyle>
-      </a:effectStyleLst>
-      <a:bgFillStyleLst>
-        <a:solidFill>
-          <a:schemeClr val="phClr"/>
-        </a:solidFill>
-        <a:gradFill rotWithShape="1">
-          <a:gsLst>
-            <a:gs pos="0">
-              <a:schemeClr val="phClr">
-                <a:tint val="40000"/>
-                <a:satMod val="350000"/>
-              </a:schemeClr>
-            </a:gs>
-            <a:gs pos="40000">
-              <a:schemeClr val="phClr">
-                <a:tint val="45000"/>
-                <a:shade val="99000"/>
-                <a:satMod val="350000"/>
-              </a:schemeClr>
-            </a:gs>
-            <a:gs pos="100000">
-              <a:schemeClr val="phClr">
-                <a:shade val="20000"/>
-                <a:satMod val="255000"/>
-              </a:schemeClr>
-            </a:gs>
-          </a:gsLst>
-          <a:path path="circle">
-            <a:fillToRect l="50000" t="-80000" r="50000" b="180000"/>
-          </a:path>
-        </a:gradFill>
-        <a:gradFill rotWithShape="1">
-          <a:gsLst>
-            <a:gs pos="0">
-              <a:schemeClr val="phClr">
-                <a:tint val="80000"/>
-                <a:satMod val="300000"/>
-              </a:schemeClr>
-            </a:gs>
-            <a:gs pos="100000">
-              <a:schemeClr val="phClr">
-                <a:shade val="30000"/>
-                <a:satMod val="200000"/>
-              </a:schemeClr>
-            </a:gs>
-          </a:gsLst>
-          <a:path path="circle">
-            <a:fillToRect l="50000" t="50000" r="50000" b="50000"/>
-          </a:path>
-        </a:gradFill>
-      </a:bgFillStyleLst>
-    </a:fmtScheme>
-  </a:themeElements>
-</a:theme>
 </file>